--- a/Review - 0 Template.pptx
+++ b/Review - 0 Template.pptx
@@ -5,24 +5,32 @@
     <p:sldMasterId id="2147483648" r:id="rId1"/>
   </p:sldMasterIdLst>
   <p:notesMasterIdLst>
-    <p:notesMasterId r:id="rId14"/>
+    <p:notesMasterId r:id="rId22"/>
   </p:notesMasterIdLst>
   <p:handoutMasterIdLst>
-    <p:handoutMasterId r:id="rId15"/>
+    <p:handoutMasterId r:id="rId23"/>
   </p:handoutMasterIdLst>
   <p:sldIdLst>
     <p:sldId id="256" r:id="rId2"/>
     <p:sldId id="273" r:id="rId3"/>
     <p:sldId id="257" r:id="rId4"/>
-    <p:sldId id="276" r:id="rId5"/>
-    <p:sldId id="280" r:id="rId6"/>
-    <p:sldId id="281" r:id="rId7"/>
-    <p:sldId id="275" r:id="rId8"/>
-    <p:sldId id="282" r:id="rId9"/>
-    <p:sldId id="283" r:id="rId10"/>
-    <p:sldId id="277" r:id="rId11"/>
-    <p:sldId id="278" r:id="rId12"/>
-    <p:sldId id="272" r:id="rId13"/>
+    <p:sldId id="290" r:id="rId5"/>
+    <p:sldId id="276" r:id="rId6"/>
+    <p:sldId id="280" r:id="rId7"/>
+    <p:sldId id="283" r:id="rId8"/>
+    <p:sldId id="289" r:id="rId9"/>
+    <p:sldId id="281" r:id="rId10"/>
+    <p:sldId id="275" r:id="rId11"/>
+    <p:sldId id="282" r:id="rId12"/>
+    <p:sldId id="286" r:id="rId13"/>
+    <p:sldId id="291" r:id="rId14"/>
+    <p:sldId id="292" r:id="rId15"/>
+    <p:sldId id="295" r:id="rId16"/>
+    <p:sldId id="294" r:id="rId17"/>
+    <p:sldId id="296" r:id="rId18"/>
+    <p:sldId id="277" r:id="rId19"/>
+    <p:sldId id="278" r:id="rId20"/>
+    <p:sldId id="272" r:id="rId21"/>
   </p:sldIdLst>
   <p:sldSz cx="12192000" cy="6858000"/>
   <p:notesSz cx="6858000" cy="9144000"/>
@@ -217,7 +225,7 @@
           <a:p>
             <a:fld id="{A6E5FBE0-5C21-4E83-8069-52D09BCDD71E}" type="datetimeFigureOut">
               <a:rPr lang="en-IN" smtClean="0"/>
-              <a:t>14-12-2024</a:t>
+              <a:t>26-02-2025</a:t>
             </a:fld>
             <a:endParaRPr lang="en-IN"/>
           </a:p>
@@ -386,7 +394,7 @@
           <a:p>
             <a:fld id="{D6846DD5-0A30-46AD-B2E1-F25508726044}" type="datetimeFigureOut">
               <a:rPr lang="en-IN" smtClean="0"/>
-              <a:t>14-12-2024</a:t>
+              <a:t>26-02-2025</a:t>
             </a:fld>
             <a:endParaRPr lang="en-IN"/>
           </a:p>
@@ -4276,6 +4284,1331 @@
           <a:lstStyle/>
           <a:p>
             <a:r>
+              <a:rPr lang="en-US" dirty="0"/>
+              <a:t>Proposed System</a:t>
+            </a:r>
+            <a:endParaRPr lang="en-IN" dirty="0"/>
+          </a:p>
+        </p:txBody>
+      </p:sp>
+      <p:sp>
+        <p:nvSpPr>
+          <p:cNvPr id="7" name="Content Placeholder 2"/>
+          <p:cNvSpPr>
+            <a:spLocks noGrp="1"/>
+          </p:cNvSpPr>
+          <p:nvPr>
+            <p:ph idx="1"/>
+          </p:nvPr>
+        </p:nvSpPr>
+        <p:spPr>
+          <a:xfrm>
+            <a:off x="199505" y="1097279"/>
+            <a:ext cx="11779135" cy="5394960"/>
+          </a:xfrm>
+        </p:spPr>
+        <p:txBody>
+          <a:bodyPr>
+            <a:normAutofit lnSpcReduction="10000"/>
+          </a:bodyPr>
+          <a:lstStyle/>
+          <a:p>
+            <a:pPr>
+              <a:buFont typeface="Arial" panose="020B0604020202020204" pitchFamily="34" charset="0"/>
+              <a:buChar char="•"/>
+            </a:pPr>
+            <a:r>
+              <a:rPr lang="en-US" dirty="0"/>
+              <a:t>Utilize a gesture based user interface to write, erase, draw or insert shapes onto the canvas.</a:t>
+            </a:r>
+          </a:p>
+          <a:p>
+            <a:pPr>
+              <a:buFont typeface="Arial" panose="020B0604020202020204" pitchFamily="34" charset="0"/>
+              <a:buChar char="•"/>
+            </a:pPr>
+            <a:r>
+              <a:rPr lang="en-US" dirty="0"/>
+              <a:t>Using multiple gestures for activities like isolating the drawing tip and clearing the board.</a:t>
+            </a:r>
+          </a:p>
+          <a:p>
+            <a:pPr>
+              <a:buFont typeface="Arial" panose="020B0604020202020204" pitchFamily="34" charset="0"/>
+              <a:buChar char="•"/>
+            </a:pPr>
+            <a:r>
+              <a:rPr lang="en-US" dirty="0"/>
+              <a:t>Select multiple colors according to your preference.</a:t>
+            </a:r>
+          </a:p>
+          <a:p>
+            <a:pPr>
+              <a:buFont typeface="Arial" panose="020B0604020202020204" pitchFamily="34" charset="0"/>
+              <a:buChar char="•"/>
+            </a:pPr>
+            <a:r>
+              <a:rPr lang="en-US" dirty="0"/>
+              <a:t>Operates seamlessly with a standard webcam, eliminating the need for specialized sensors or touchscreens.</a:t>
+            </a:r>
+          </a:p>
+          <a:p>
+            <a:pPr>
+              <a:buFont typeface="Arial" panose="020B0604020202020204" pitchFamily="34" charset="0"/>
+              <a:buChar char="•"/>
+            </a:pPr>
+            <a:r>
+              <a:rPr lang="en-US" dirty="0"/>
+              <a:t>Provides real-time feedback for a smooth and intuitive user experience.</a:t>
+            </a:r>
+            <a:endParaRPr lang="en-US" b="1" dirty="0"/>
+          </a:p>
+          <a:p>
+            <a:pPr>
+              <a:buFont typeface="Arial" panose="020B0604020202020204" pitchFamily="34" charset="0"/>
+              <a:buChar char="•"/>
+            </a:pPr>
+            <a:r>
+              <a:rPr lang="en-US" dirty="0"/>
+              <a:t>Designed with simplicity in mind, offering an easy learning curve suitable for both casual and professional users.</a:t>
+            </a:r>
+            <a:endParaRPr lang="en-US" b="1" dirty="0"/>
+          </a:p>
+          <a:p>
+            <a:pPr>
+              <a:buFont typeface="Arial" panose="020B0604020202020204" pitchFamily="34" charset="0"/>
+              <a:buChar char="•"/>
+            </a:pPr>
+            <a:r>
+              <a:rPr lang="en-US" dirty="0"/>
+              <a:t>Developed using OpenCV for advanced gesture recognition and Python for robust program logic.</a:t>
+            </a:r>
+          </a:p>
+        </p:txBody>
+      </p:sp>
+    </p:spTree>
+  </p:cSld>
+  <p:clrMapOvr>
+    <a:masterClrMapping/>
+  </p:clrMapOvr>
+</p:sld>
+</file>
+
+<file path=ppt/slides/slide11.xml><?xml version="1.0" encoding="utf-8"?>
+<p:sld xmlns:a="http://schemas.openxmlformats.org/drawingml/2006/main" xmlns:r="http://schemas.openxmlformats.org/officeDocument/2006/relationships" xmlns:p="http://schemas.openxmlformats.org/presentationml/2006/main">
+  <p:cSld>
+    <p:spTree>
+      <p:nvGrpSpPr>
+        <p:cNvPr id="1" name="">
+          <a:extLst>
+            <a:ext uri="{FF2B5EF4-FFF2-40B4-BE49-F238E27FC236}">
+              <a16:creationId xmlns:a16="http://schemas.microsoft.com/office/drawing/2014/main" id="{DE100A92-9D77-5902-CDAB-52215E7D16D1}"/>
+            </a:ext>
+          </a:extLst>
+        </p:cNvPr>
+        <p:cNvGrpSpPr/>
+        <p:nvPr/>
+      </p:nvGrpSpPr>
+      <p:grpSpPr>
+        <a:xfrm>
+          <a:off x="0" y="0"/>
+          <a:ext cx="0" cy="0"/>
+          <a:chOff x="0" y="0"/>
+          <a:chExt cx="0" cy="0"/>
+        </a:xfrm>
+      </p:grpSpPr>
+      <p:sp>
+        <p:nvSpPr>
+          <p:cNvPr id="2" name="Title 1">
+            <a:extLst>
+              <a:ext uri="{FF2B5EF4-FFF2-40B4-BE49-F238E27FC236}">
+                <a16:creationId xmlns:a16="http://schemas.microsoft.com/office/drawing/2014/main" id="{A7242439-9579-8D32-E1A1-AC61B95BB1C8}"/>
+              </a:ext>
+            </a:extLst>
+          </p:cNvPr>
+          <p:cNvSpPr>
+            <a:spLocks noGrp="1"/>
+          </p:cNvSpPr>
+          <p:nvPr>
+            <p:ph type="title"/>
+          </p:nvPr>
+        </p:nvSpPr>
+        <p:spPr/>
+        <p:txBody>
+          <a:bodyPr/>
+          <a:lstStyle/>
+          <a:p>
+            <a:r>
+              <a:rPr lang="en-US" dirty="0"/>
+              <a:t>Planning</a:t>
+            </a:r>
+            <a:endParaRPr lang="en-IN" dirty="0"/>
+          </a:p>
+        </p:txBody>
+      </p:sp>
+      <p:sp>
+        <p:nvSpPr>
+          <p:cNvPr id="7" name="Content Placeholder 2">
+            <a:extLst>
+              <a:ext uri="{FF2B5EF4-FFF2-40B4-BE49-F238E27FC236}">
+                <a16:creationId xmlns:a16="http://schemas.microsoft.com/office/drawing/2014/main" id="{7CE133AD-A167-5AAE-B194-E9A75CFC0B42}"/>
+              </a:ext>
+            </a:extLst>
+          </p:cNvPr>
+          <p:cNvSpPr>
+            <a:spLocks noGrp="1"/>
+          </p:cNvSpPr>
+          <p:nvPr>
+            <p:ph idx="1"/>
+          </p:nvPr>
+        </p:nvSpPr>
+        <p:spPr>
+          <a:xfrm>
+            <a:off x="199505" y="1097279"/>
+            <a:ext cx="11779135" cy="5394960"/>
+          </a:xfrm>
+        </p:spPr>
+        <p:txBody>
+          <a:bodyPr>
+            <a:normAutofit/>
+          </a:bodyPr>
+          <a:lstStyle/>
+          <a:p>
+            <a:pPr marL="0" indent="0">
+              <a:buNone/>
+            </a:pPr>
+            <a:r>
+              <a:rPr lang="en-US" sz="2000" b="1" dirty="0"/>
+              <a:t>Hardware Requirements:</a:t>
+            </a:r>
+          </a:p>
+          <a:p>
+            <a:pPr>
+              <a:buFont typeface="Arial" panose="020B0604020202020204" pitchFamily="34" charset="0"/>
+              <a:buChar char="•"/>
+            </a:pPr>
+            <a:r>
+              <a:rPr lang="en-IN" sz="2000" b="1" dirty="0"/>
+              <a:t>Processor</a:t>
+            </a:r>
+            <a:r>
+              <a:rPr lang="en-IN" sz="2000" dirty="0"/>
+              <a:t>: Dual-core CPU (e.g., Intel Core i3 or equivalent) minimum; Quad-core (e.g., Intel Core i5) recommended.</a:t>
+            </a:r>
+          </a:p>
+          <a:p>
+            <a:pPr>
+              <a:buFont typeface="Arial" panose="020B0604020202020204" pitchFamily="34" charset="0"/>
+              <a:buChar char="•"/>
+            </a:pPr>
+            <a:r>
+              <a:rPr lang="en-US" sz="2000" b="1" dirty="0"/>
+              <a:t>RAM</a:t>
+            </a:r>
+            <a:r>
+              <a:rPr lang="en-US" sz="2000" dirty="0"/>
+              <a:t>: 4 GB minimum; 8 GB or more recommended.</a:t>
+            </a:r>
+          </a:p>
+          <a:p>
+            <a:pPr>
+              <a:buFont typeface="Arial" panose="020B0604020202020204" pitchFamily="34" charset="0"/>
+              <a:buChar char="•"/>
+            </a:pPr>
+            <a:r>
+              <a:rPr lang="en-US" sz="2000" b="1" dirty="0"/>
+              <a:t>Webcam</a:t>
+            </a:r>
+            <a:r>
+              <a:rPr lang="en-US" sz="2000" dirty="0"/>
+              <a:t>: 720p minimum resolution; 1080p recommended for better accuracy.</a:t>
+            </a:r>
+          </a:p>
+          <a:p>
+            <a:pPr>
+              <a:buFont typeface="Arial" panose="020B0604020202020204" pitchFamily="34" charset="0"/>
+              <a:buChar char="•"/>
+            </a:pPr>
+            <a:r>
+              <a:rPr lang="en-US" sz="2000" b="1" dirty="0"/>
+              <a:t>Graphics</a:t>
+            </a:r>
+            <a:r>
+              <a:rPr lang="en-US" sz="2000" dirty="0"/>
+              <a:t>: Integrated GPU minimum; Dedicated GPU (e.g., NVIDIA GTX 1050 or better) recommended for future enhancements.</a:t>
+            </a:r>
+          </a:p>
+          <a:p>
+            <a:pPr>
+              <a:buFont typeface="Arial" panose="020B0604020202020204" pitchFamily="34" charset="0"/>
+              <a:buChar char="•"/>
+            </a:pPr>
+            <a:r>
+              <a:rPr lang="en-US" sz="2000" b="1" dirty="0"/>
+              <a:t>Storage</a:t>
+            </a:r>
+            <a:r>
+              <a:rPr lang="en-US" sz="2000" dirty="0"/>
+              <a:t>: 1 GB free space minimum; 10 GB free on SSD recommended.</a:t>
+            </a:r>
+          </a:p>
+          <a:p>
+            <a:pPr marL="0" indent="0">
+              <a:buNone/>
+            </a:pPr>
+            <a:r>
+              <a:rPr lang="en-US" sz="2000" b="1" dirty="0"/>
+              <a:t>Software Requirements:</a:t>
+            </a:r>
+          </a:p>
+          <a:p>
+            <a:pPr>
+              <a:buFont typeface="Arial" panose="020B0604020202020204" pitchFamily="34" charset="0"/>
+              <a:buChar char="•"/>
+            </a:pPr>
+            <a:r>
+              <a:rPr lang="en-IN" sz="2000" b="1" dirty="0"/>
+              <a:t>OS</a:t>
+            </a:r>
+            <a:r>
+              <a:rPr lang="en-IN" sz="2000" dirty="0"/>
+              <a:t>: </a:t>
+            </a:r>
+            <a:r>
+              <a:rPr lang="en-US" sz="2000" dirty="0"/>
+              <a:t>Windows 10 or later (64-bit recommended).</a:t>
+            </a:r>
+            <a:endParaRPr lang="en-IN" sz="2000" b="1" dirty="0"/>
+          </a:p>
+          <a:p>
+            <a:pPr>
+              <a:buFont typeface="Arial" panose="020B0604020202020204" pitchFamily="34" charset="0"/>
+              <a:buChar char="•"/>
+            </a:pPr>
+            <a:r>
+              <a:rPr lang="en-US" sz="2000" b="1" dirty="0"/>
+              <a:t>Python Version</a:t>
+            </a:r>
+            <a:r>
+              <a:rPr lang="en-US" sz="2000" dirty="0"/>
+              <a:t>: Python 3.8 or later (3.10 recommended).</a:t>
+            </a:r>
+          </a:p>
+          <a:p>
+            <a:pPr>
+              <a:buFont typeface="Arial" panose="020B0604020202020204" pitchFamily="34" charset="0"/>
+              <a:buChar char="•"/>
+            </a:pPr>
+            <a:r>
+              <a:rPr lang="en-IN" sz="2000" b="1" dirty="0"/>
+              <a:t>Python Libraries</a:t>
+            </a:r>
+            <a:r>
+              <a:rPr lang="en-IN" sz="2000" dirty="0"/>
+              <a:t>: </a:t>
+            </a:r>
+            <a:r>
+              <a:rPr lang="en-IN" sz="2000" dirty="0" err="1"/>
+              <a:t>numpy</a:t>
+            </a:r>
+            <a:r>
+              <a:rPr lang="en-IN" sz="2000" dirty="0"/>
+              <a:t>, </a:t>
+            </a:r>
+            <a:r>
+              <a:rPr lang="en-IN" sz="2000" dirty="0" err="1"/>
+              <a:t>opencv</a:t>
+            </a:r>
+            <a:r>
+              <a:rPr lang="en-IN" sz="2000" dirty="0"/>
+              <a:t>-python, </a:t>
+            </a:r>
+            <a:r>
+              <a:rPr lang="en-IN" sz="2000" dirty="0" err="1"/>
+              <a:t>opencv</a:t>
+            </a:r>
+            <a:r>
+              <a:rPr lang="en-IN" sz="2000" dirty="0"/>
+              <a:t>-</a:t>
+            </a:r>
+            <a:r>
+              <a:rPr lang="en-IN" sz="2000" dirty="0" err="1"/>
+              <a:t>contrib</a:t>
+            </a:r>
+            <a:r>
+              <a:rPr lang="en-IN" sz="2000" dirty="0"/>
+              <a:t>-python, </a:t>
+            </a:r>
+            <a:r>
+              <a:rPr lang="en-IN" sz="2000" dirty="0" err="1"/>
+              <a:t>mediapipe</a:t>
+            </a:r>
+            <a:endParaRPr lang="en-IN" sz="2000" dirty="0"/>
+          </a:p>
+          <a:p>
+            <a:pPr>
+              <a:buFont typeface="Arial" panose="020B0604020202020204" pitchFamily="34" charset="0"/>
+              <a:buChar char="•"/>
+            </a:pPr>
+            <a:r>
+              <a:rPr lang="en-US" sz="2000" b="1" dirty="0"/>
+              <a:t>IDE/Editor: </a:t>
+            </a:r>
+            <a:r>
+              <a:rPr lang="en-US" sz="2000" dirty="0"/>
+              <a:t>Any Python IDE (e.g., PyCharm, VS Code, </a:t>
+            </a:r>
+            <a:r>
+              <a:rPr lang="en-US" sz="2000" dirty="0" err="1"/>
+              <a:t>Jupyter</a:t>
+            </a:r>
+            <a:r>
+              <a:rPr lang="en-US" sz="2000" dirty="0"/>
+              <a:t> Notebook).</a:t>
+            </a:r>
+          </a:p>
+        </p:txBody>
+      </p:sp>
+      <p:sp>
+        <p:nvSpPr>
+          <p:cNvPr id="4" name="Rectangle 2">
+            <a:extLst>
+              <a:ext uri="{FF2B5EF4-FFF2-40B4-BE49-F238E27FC236}">
+                <a16:creationId xmlns:a16="http://schemas.microsoft.com/office/drawing/2014/main" id="{37115B0D-ABE7-FBBA-A592-EB83D4D7CB8A}"/>
+              </a:ext>
+            </a:extLst>
+          </p:cNvPr>
+          <p:cNvSpPr>
+            <a:spLocks noChangeArrowheads="1"/>
+          </p:cNvSpPr>
+          <p:nvPr/>
+        </p:nvSpPr>
+        <p:spPr bwMode="auto">
+          <a:xfrm>
+            <a:off x="0" y="-323165"/>
+            <a:ext cx="264816" cy="646331"/>
+          </a:xfrm>
+          <a:prstGeom prst="rect">
+            <a:avLst/>
+          </a:prstGeom>
+          <a:noFill/>
+          <a:ln>
+            <a:noFill/>
+          </a:ln>
+          <a:effectLst/>
+          <a:extLst>
+            <a:ext uri="{909E8E84-426E-40DD-AFC4-6F175D3DCCD1}">
+              <a14:hiddenFill xmlns:a14="http://schemas.microsoft.com/office/drawing/2010/main">
+                <a:solidFill>
+                  <a:schemeClr val="accent1"/>
+                </a:solidFill>
+              </a14:hiddenFill>
+            </a:ext>
+            <a:ext uri="{91240B29-F687-4F45-9708-019B960494DF}">
+              <a14:hiddenLine xmlns:a14="http://schemas.microsoft.com/office/drawing/2010/main" w="9525">
+                <a:solidFill>
+                  <a:schemeClr val="tx1"/>
+                </a:solidFill>
+                <a:miter lim="800000"/>
+                <a:headEnd/>
+                <a:tailEnd/>
+              </a14:hiddenLine>
+            </a:ext>
+            <a:ext uri="{AF507438-7753-43E0-B8FC-AC1667EBCBE1}">
+              <a14:hiddenEffects xmlns:a14="http://schemas.microsoft.com/office/drawing/2010/main">
+                <a:effectLst>
+                  <a:outerShdw dist="35921" dir="2700000" algn="ctr" rotWithShape="0">
+                    <a:schemeClr val="bg2"/>
+                  </a:outerShdw>
+                </a:effectLst>
+              </a14:hiddenEffects>
+            </a:ext>
+          </a:extLst>
+        </p:spPr>
+        <p:txBody>
+          <a:bodyPr vert="horz" wrap="none" lIns="91440" tIns="45720" rIns="91440" bIns="45720" numCol="1" anchor="ctr" anchorCtr="0" compatLnSpc="1">
+            <a:prstTxWarp prst="textNoShape">
+              <a:avLst/>
+            </a:prstTxWarp>
+            <a:spAutoFit/>
+          </a:bodyPr>
+          <a:lstStyle/>
+          <a:p>
+            <a:pPr marL="0" marR="0" lvl="0" indent="0" algn="l" defTabSz="914400" rtl="0" eaLnBrk="0" fontAlgn="base" latinLnBrk="0" hangingPunct="0">
+              <a:lnSpc>
+                <a:spcPct val="100000"/>
+              </a:lnSpc>
+              <a:spcBef>
+                <a:spcPct val="0"/>
+              </a:spcBef>
+              <a:spcAft>
+                <a:spcPct val="0"/>
+              </a:spcAft>
+              <a:buClrTx/>
+              <a:buSzTx/>
+              <a:tabLst/>
+            </a:pPr>
+            <a:endParaRPr kumimoji="0" lang="en-US" altLang="en-US" sz="1800" b="0" i="0" u="none" strike="noStrike" cap="none" normalizeH="0" baseline="0" dirty="0">
+              <a:ln>
+                <a:noFill/>
+              </a:ln>
+              <a:solidFill>
+                <a:schemeClr val="tx1"/>
+              </a:solidFill>
+              <a:effectLst/>
+              <a:latin typeface="Arial" panose="020B0604020202020204" pitchFamily="34" charset="0"/>
+            </a:endParaRPr>
+          </a:p>
+          <a:p>
+            <a:pPr marL="0" marR="0" lvl="0" indent="0" algn="l" defTabSz="914400" rtl="0" eaLnBrk="0" fontAlgn="base" latinLnBrk="0" hangingPunct="0">
+              <a:lnSpc>
+                <a:spcPct val="100000"/>
+              </a:lnSpc>
+              <a:spcBef>
+                <a:spcPct val="0"/>
+              </a:spcBef>
+              <a:spcAft>
+                <a:spcPct val="0"/>
+              </a:spcAft>
+              <a:buClrTx/>
+              <a:buSzTx/>
+              <a:buFontTx/>
+              <a:buChar char="•"/>
+              <a:tabLst/>
+            </a:pPr>
+            <a:endParaRPr kumimoji="0" lang="en-US" altLang="en-US" sz="1800" b="0" i="0" u="none" strike="noStrike" cap="none" normalizeH="0" baseline="0" dirty="0">
+              <a:ln>
+                <a:noFill/>
+              </a:ln>
+              <a:solidFill>
+                <a:schemeClr val="tx1"/>
+              </a:solidFill>
+              <a:effectLst/>
+              <a:latin typeface="Arial" panose="020B0604020202020204" pitchFamily="34" charset="0"/>
+            </a:endParaRPr>
+          </a:p>
+        </p:txBody>
+      </p:sp>
+    </p:spTree>
+    <p:extLst>
+      <p:ext uri="{BB962C8B-B14F-4D97-AF65-F5344CB8AC3E}">
+        <p14:creationId xmlns:p14="http://schemas.microsoft.com/office/powerpoint/2010/main" val="2133112850"/>
+      </p:ext>
+    </p:extLst>
+  </p:cSld>
+  <p:clrMapOvr>
+    <a:masterClrMapping/>
+  </p:clrMapOvr>
+</p:sld>
+</file>
+
+<file path=ppt/slides/slide12.xml><?xml version="1.0" encoding="utf-8"?>
+<p:sld xmlns:a="http://schemas.openxmlformats.org/drawingml/2006/main" xmlns:r="http://schemas.openxmlformats.org/officeDocument/2006/relationships" xmlns:p="http://schemas.openxmlformats.org/presentationml/2006/main">
+  <p:cSld>
+    <p:spTree>
+      <p:nvGrpSpPr>
+        <p:cNvPr id="1" name="">
+          <a:extLst>
+            <a:ext uri="{FF2B5EF4-FFF2-40B4-BE49-F238E27FC236}">
+              <a16:creationId xmlns:a16="http://schemas.microsoft.com/office/drawing/2014/main" id="{4F05F7CA-6B8F-93A3-4D33-32871EFB4F4D}"/>
+            </a:ext>
+          </a:extLst>
+        </p:cNvPr>
+        <p:cNvGrpSpPr/>
+        <p:nvPr/>
+      </p:nvGrpSpPr>
+      <p:grpSpPr>
+        <a:xfrm>
+          <a:off x="0" y="0"/>
+          <a:ext cx="0" cy="0"/>
+          <a:chOff x="0" y="0"/>
+          <a:chExt cx="0" cy="0"/>
+        </a:xfrm>
+      </p:grpSpPr>
+      <p:sp>
+        <p:nvSpPr>
+          <p:cNvPr id="2" name="Title 1">
+            <a:extLst>
+              <a:ext uri="{FF2B5EF4-FFF2-40B4-BE49-F238E27FC236}">
+                <a16:creationId xmlns:a16="http://schemas.microsoft.com/office/drawing/2014/main" id="{83C9D49E-DC23-5643-1964-62FFB5D2307A}"/>
+              </a:ext>
+            </a:extLst>
+          </p:cNvPr>
+          <p:cNvSpPr>
+            <a:spLocks noGrp="1"/>
+          </p:cNvSpPr>
+          <p:nvPr>
+            <p:ph type="title"/>
+          </p:nvPr>
+        </p:nvSpPr>
+        <p:spPr/>
+        <p:txBody>
+          <a:bodyPr/>
+          <a:lstStyle/>
+          <a:p>
+            <a:r>
+              <a:rPr lang="en-IN" dirty="0"/>
+              <a:t>Design</a:t>
+            </a:r>
+          </a:p>
+        </p:txBody>
+      </p:sp>
+      <p:pic>
+        <p:nvPicPr>
+          <p:cNvPr id="51" name="Content Placeholder 50">
+            <a:extLst>
+              <a:ext uri="{FF2B5EF4-FFF2-40B4-BE49-F238E27FC236}">
+                <a16:creationId xmlns:a16="http://schemas.microsoft.com/office/drawing/2014/main" id="{F6F4E923-BBA7-C3BE-6F32-40B91ADB48FB}"/>
+              </a:ext>
+            </a:extLst>
+          </p:cNvPr>
+          <p:cNvPicPr>
+            <a:picLocks noGrp="1" noChangeAspect="1"/>
+          </p:cNvPicPr>
+          <p:nvPr>
+            <p:ph idx="1"/>
+          </p:nvPr>
+        </p:nvPicPr>
+        <p:blipFill>
+          <a:blip r:embed="rId2">
+            <a:extLst>
+              <a:ext uri="{28A0092B-C50C-407E-A947-70E740481C1C}">
+                <a14:useLocalDpi xmlns:a14="http://schemas.microsoft.com/office/drawing/2010/main" val="0"/>
+              </a:ext>
+            </a:extLst>
+          </a:blip>
+          <a:stretch>
+            <a:fillRect/>
+          </a:stretch>
+        </p:blipFill>
+        <p:spPr>
+          <a:xfrm>
+            <a:off x="2042716" y="1096963"/>
+            <a:ext cx="8093868" cy="5395912"/>
+          </a:xfrm>
+        </p:spPr>
+      </p:pic>
+    </p:spTree>
+    <p:extLst>
+      <p:ext uri="{BB962C8B-B14F-4D97-AF65-F5344CB8AC3E}">
+        <p14:creationId xmlns:p14="http://schemas.microsoft.com/office/powerpoint/2010/main" val="2314221324"/>
+      </p:ext>
+    </p:extLst>
+  </p:cSld>
+  <p:clrMapOvr>
+    <a:masterClrMapping/>
+  </p:clrMapOvr>
+</p:sld>
+</file>
+
+<file path=ppt/slides/slide13.xml><?xml version="1.0" encoding="utf-8"?>
+<p:sld xmlns:a="http://schemas.openxmlformats.org/drawingml/2006/main" xmlns:r="http://schemas.openxmlformats.org/officeDocument/2006/relationships" xmlns:p="http://schemas.openxmlformats.org/presentationml/2006/main">
+  <p:cSld>
+    <p:spTree>
+      <p:nvGrpSpPr>
+        <p:cNvPr id="1" name=""/>
+        <p:cNvGrpSpPr/>
+        <p:nvPr/>
+      </p:nvGrpSpPr>
+      <p:grpSpPr>
+        <a:xfrm>
+          <a:off x="0" y="0"/>
+          <a:ext cx="0" cy="0"/>
+          <a:chOff x="0" y="0"/>
+          <a:chExt cx="0" cy="0"/>
+        </a:xfrm>
+      </p:grpSpPr>
+      <p:sp>
+        <p:nvSpPr>
+          <p:cNvPr id="2" name="Title 1">
+            <a:extLst>
+              <a:ext uri="{FF2B5EF4-FFF2-40B4-BE49-F238E27FC236}">
+                <a16:creationId xmlns:a16="http://schemas.microsoft.com/office/drawing/2014/main" id="{CF727A55-6BFC-E3DD-9C46-A6914BA26FDC}"/>
+              </a:ext>
+            </a:extLst>
+          </p:cNvPr>
+          <p:cNvSpPr>
+            <a:spLocks noGrp="1"/>
+          </p:cNvSpPr>
+          <p:nvPr>
+            <p:ph type="title"/>
+          </p:nvPr>
+        </p:nvSpPr>
+        <p:spPr/>
+        <p:txBody>
+          <a:bodyPr/>
+          <a:lstStyle/>
+          <a:p>
+            <a:r>
+              <a:rPr lang="en-IN" dirty="0"/>
+              <a:t>Design</a:t>
+            </a:r>
+          </a:p>
+        </p:txBody>
+      </p:sp>
+      <p:pic>
+        <p:nvPicPr>
+          <p:cNvPr id="5" name="Content Placeholder 4">
+            <a:extLst>
+              <a:ext uri="{FF2B5EF4-FFF2-40B4-BE49-F238E27FC236}">
+                <a16:creationId xmlns:a16="http://schemas.microsoft.com/office/drawing/2014/main" id="{F2FC33C5-A207-5A19-2AD3-CB61412C3D88}"/>
+              </a:ext>
+            </a:extLst>
+          </p:cNvPr>
+          <p:cNvPicPr>
+            <a:picLocks noGrp="1" noChangeAspect="1"/>
+          </p:cNvPicPr>
+          <p:nvPr>
+            <p:ph idx="1"/>
+          </p:nvPr>
+        </p:nvPicPr>
+        <p:blipFill>
+          <a:blip r:embed="rId2">
+            <a:extLst>
+              <a:ext uri="{28A0092B-C50C-407E-A947-70E740481C1C}">
+                <a14:useLocalDpi xmlns:a14="http://schemas.microsoft.com/office/drawing/2010/main" val="0"/>
+              </a:ext>
+            </a:extLst>
+          </a:blip>
+          <a:stretch>
+            <a:fillRect/>
+          </a:stretch>
+        </p:blipFill>
+        <p:spPr>
+          <a:xfrm>
+            <a:off x="200025" y="1247160"/>
+            <a:ext cx="11779250" cy="5095518"/>
+          </a:xfrm>
+        </p:spPr>
+      </p:pic>
+    </p:spTree>
+    <p:extLst>
+      <p:ext uri="{BB962C8B-B14F-4D97-AF65-F5344CB8AC3E}">
+        <p14:creationId xmlns:p14="http://schemas.microsoft.com/office/powerpoint/2010/main" val="2928344398"/>
+      </p:ext>
+    </p:extLst>
+  </p:cSld>
+  <p:clrMapOvr>
+    <a:masterClrMapping/>
+  </p:clrMapOvr>
+</p:sld>
+</file>
+
+<file path=ppt/slides/slide14.xml><?xml version="1.0" encoding="utf-8"?>
+<p:sld xmlns:a="http://schemas.openxmlformats.org/drawingml/2006/main" xmlns:r="http://schemas.openxmlformats.org/officeDocument/2006/relationships" xmlns:p="http://schemas.openxmlformats.org/presentationml/2006/main">
+  <p:cSld>
+    <p:spTree>
+      <p:nvGrpSpPr>
+        <p:cNvPr id="1" name=""/>
+        <p:cNvGrpSpPr/>
+        <p:nvPr/>
+      </p:nvGrpSpPr>
+      <p:grpSpPr>
+        <a:xfrm>
+          <a:off x="0" y="0"/>
+          <a:ext cx="0" cy="0"/>
+          <a:chOff x="0" y="0"/>
+          <a:chExt cx="0" cy="0"/>
+        </a:xfrm>
+      </p:grpSpPr>
+      <p:sp>
+        <p:nvSpPr>
+          <p:cNvPr id="2" name="Title 1">
+            <a:extLst>
+              <a:ext uri="{FF2B5EF4-FFF2-40B4-BE49-F238E27FC236}">
+                <a16:creationId xmlns:a16="http://schemas.microsoft.com/office/drawing/2014/main" id="{13B5039A-FE48-46B2-392C-D719201419CD}"/>
+              </a:ext>
+            </a:extLst>
+          </p:cNvPr>
+          <p:cNvSpPr>
+            <a:spLocks noGrp="1"/>
+          </p:cNvSpPr>
+          <p:nvPr>
+            <p:ph type="title"/>
+          </p:nvPr>
+        </p:nvSpPr>
+        <p:spPr/>
+        <p:txBody>
+          <a:bodyPr/>
+          <a:lstStyle/>
+          <a:p>
+            <a:r>
+              <a:rPr lang="en-US" dirty="0"/>
+              <a:t>Implementation</a:t>
+            </a:r>
+            <a:endParaRPr lang="en-IN" dirty="0"/>
+          </a:p>
+        </p:txBody>
+      </p:sp>
+      <p:sp>
+        <p:nvSpPr>
+          <p:cNvPr id="4" name="Content Placeholder 3">
+            <a:extLst>
+              <a:ext uri="{FF2B5EF4-FFF2-40B4-BE49-F238E27FC236}">
+                <a16:creationId xmlns:a16="http://schemas.microsoft.com/office/drawing/2014/main" id="{C0ECA5C4-333D-1D0B-DC2D-5EC3FAE8650A}"/>
+              </a:ext>
+            </a:extLst>
+          </p:cNvPr>
+          <p:cNvSpPr>
+            <a:spLocks noGrp="1"/>
+          </p:cNvSpPr>
+          <p:nvPr>
+            <p:ph idx="1"/>
+          </p:nvPr>
+        </p:nvSpPr>
+        <p:spPr/>
+        <p:txBody>
+          <a:bodyPr/>
+          <a:lstStyle/>
+          <a:p>
+            <a:r>
+              <a:rPr lang="en-IN" dirty="0"/>
+              <a:t>The main UI of the air canvas looks as follows, we have a toolbar, </a:t>
+            </a:r>
+            <a:r>
+              <a:rPr lang="en-IN" dirty="0" err="1"/>
+              <a:t>colors</a:t>
+            </a:r>
+            <a:r>
+              <a:rPr lang="en-IN" dirty="0"/>
+              <a:t>, selected tool and fps monitor.</a:t>
+            </a:r>
+          </a:p>
+          <a:p>
+            <a:endParaRPr lang="en-IN" dirty="0"/>
+          </a:p>
+        </p:txBody>
+      </p:sp>
+      <p:pic>
+        <p:nvPicPr>
+          <p:cNvPr id="11" name="Picture 10">
+            <a:extLst>
+              <a:ext uri="{FF2B5EF4-FFF2-40B4-BE49-F238E27FC236}">
+                <a16:creationId xmlns:a16="http://schemas.microsoft.com/office/drawing/2014/main" id="{8ECA5497-13C6-B710-3EA8-C3B63664ABB3}"/>
+              </a:ext>
+            </a:extLst>
+          </p:cNvPr>
+          <p:cNvPicPr>
+            <a:picLocks noChangeAspect="1"/>
+          </p:cNvPicPr>
+          <p:nvPr/>
+        </p:nvPicPr>
+        <p:blipFill>
+          <a:blip r:embed="rId2">
+            <a:extLst>
+              <a:ext uri="{28A0092B-C50C-407E-A947-70E740481C1C}">
+                <a14:useLocalDpi xmlns:a14="http://schemas.microsoft.com/office/drawing/2010/main" val="0"/>
+              </a:ext>
+            </a:extLst>
+          </a:blip>
+          <a:stretch>
+            <a:fillRect/>
+          </a:stretch>
+        </p:blipFill>
+        <p:spPr>
+          <a:xfrm>
+            <a:off x="2648957" y="1926507"/>
+            <a:ext cx="5069366" cy="4059305"/>
+          </a:xfrm>
+          <a:prstGeom prst="rect">
+            <a:avLst/>
+          </a:prstGeom>
+        </p:spPr>
+      </p:pic>
+    </p:spTree>
+    <p:extLst>
+      <p:ext uri="{BB962C8B-B14F-4D97-AF65-F5344CB8AC3E}">
+        <p14:creationId xmlns:p14="http://schemas.microsoft.com/office/powerpoint/2010/main" val="16894164"/>
+      </p:ext>
+    </p:extLst>
+  </p:cSld>
+  <p:clrMapOvr>
+    <a:masterClrMapping/>
+  </p:clrMapOvr>
+</p:sld>
+</file>
+
+<file path=ppt/slides/slide15.xml><?xml version="1.0" encoding="utf-8"?>
+<p:sld xmlns:a="http://schemas.openxmlformats.org/drawingml/2006/main" xmlns:r="http://schemas.openxmlformats.org/officeDocument/2006/relationships" xmlns:p="http://schemas.openxmlformats.org/presentationml/2006/main">
+  <p:cSld>
+    <p:spTree>
+      <p:nvGrpSpPr>
+        <p:cNvPr id="1" name=""/>
+        <p:cNvGrpSpPr/>
+        <p:nvPr/>
+      </p:nvGrpSpPr>
+      <p:grpSpPr>
+        <a:xfrm>
+          <a:off x="0" y="0"/>
+          <a:ext cx="0" cy="0"/>
+          <a:chOff x="0" y="0"/>
+          <a:chExt cx="0" cy="0"/>
+        </a:xfrm>
+      </p:grpSpPr>
+      <p:sp>
+        <p:nvSpPr>
+          <p:cNvPr id="2" name="Title 1">
+            <a:extLst>
+              <a:ext uri="{FF2B5EF4-FFF2-40B4-BE49-F238E27FC236}">
+                <a16:creationId xmlns:a16="http://schemas.microsoft.com/office/drawing/2014/main" id="{94BD21FB-EAB1-1848-6F4C-C7F195912A42}"/>
+              </a:ext>
+            </a:extLst>
+          </p:cNvPr>
+          <p:cNvSpPr>
+            <a:spLocks noGrp="1"/>
+          </p:cNvSpPr>
+          <p:nvPr>
+            <p:ph type="title"/>
+          </p:nvPr>
+        </p:nvSpPr>
+        <p:spPr/>
+        <p:txBody>
+          <a:bodyPr/>
+          <a:lstStyle/>
+          <a:p>
+            <a:r>
+              <a:rPr lang="en-IN" dirty="0"/>
+              <a:t>Implementation</a:t>
+            </a:r>
+          </a:p>
+        </p:txBody>
+      </p:sp>
+      <p:sp>
+        <p:nvSpPr>
+          <p:cNvPr id="3" name="Content Placeholder 2">
+            <a:extLst>
+              <a:ext uri="{FF2B5EF4-FFF2-40B4-BE49-F238E27FC236}">
+                <a16:creationId xmlns:a16="http://schemas.microsoft.com/office/drawing/2014/main" id="{CF56F2E4-2E34-7FD9-7572-097B8A683567}"/>
+              </a:ext>
+            </a:extLst>
+          </p:cNvPr>
+          <p:cNvSpPr>
+            <a:spLocks noGrp="1"/>
+          </p:cNvSpPr>
+          <p:nvPr>
+            <p:ph idx="1"/>
+          </p:nvPr>
+        </p:nvSpPr>
+        <p:spPr/>
+        <p:txBody>
+          <a:bodyPr/>
+          <a:lstStyle/>
+          <a:p>
+            <a:r>
+              <a:rPr lang="en-IN" dirty="0"/>
+              <a:t>Freehand and shapes can be selected by two steps, closing the second finger to isolate the tip and hovering index finger for selection. You can move your hand to increase the size of the shape. We can use an eraser to remove the unnecessary lines.</a:t>
+            </a:r>
+          </a:p>
+          <a:p>
+            <a:endParaRPr lang="en-IN" dirty="0"/>
+          </a:p>
+        </p:txBody>
+      </p:sp>
+      <p:pic>
+        <p:nvPicPr>
+          <p:cNvPr id="5" name="Picture 4">
+            <a:extLst>
+              <a:ext uri="{FF2B5EF4-FFF2-40B4-BE49-F238E27FC236}">
+                <a16:creationId xmlns:a16="http://schemas.microsoft.com/office/drawing/2014/main" id="{E79BF4FF-8633-557F-08A2-47B48C9C0957}"/>
+              </a:ext>
+            </a:extLst>
+          </p:cNvPr>
+          <p:cNvPicPr>
+            <a:picLocks noChangeAspect="1"/>
+          </p:cNvPicPr>
+          <p:nvPr/>
+        </p:nvPicPr>
+        <p:blipFill>
+          <a:blip r:embed="rId2">
+            <a:extLst>
+              <a:ext uri="{28A0092B-C50C-407E-A947-70E740481C1C}">
+                <a14:useLocalDpi xmlns:a14="http://schemas.microsoft.com/office/drawing/2010/main" val="0"/>
+              </a:ext>
+            </a:extLst>
+          </a:blip>
+          <a:stretch>
+            <a:fillRect/>
+          </a:stretch>
+        </p:blipFill>
+        <p:spPr>
+          <a:xfrm>
+            <a:off x="641541" y="2871019"/>
+            <a:ext cx="4319854" cy="3449395"/>
+          </a:xfrm>
+          <a:prstGeom prst="rect">
+            <a:avLst/>
+          </a:prstGeom>
+        </p:spPr>
+      </p:pic>
+      <p:pic>
+        <p:nvPicPr>
+          <p:cNvPr id="7" name="Picture 6">
+            <a:extLst>
+              <a:ext uri="{FF2B5EF4-FFF2-40B4-BE49-F238E27FC236}">
+                <a16:creationId xmlns:a16="http://schemas.microsoft.com/office/drawing/2014/main" id="{62B33391-659B-EA21-799C-13E860EFBB82}"/>
+              </a:ext>
+            </a:extLst>
+          </p:cNvPr>
+          <p:cNvPicPr>
+            <a:picLocks noChangeAspect="1"/>
+          </p:cNvPicPr>
+          <p:nvPr/>
+        </p:nvPicPr>
+        <p:blipFill>
+          <a:blip r:embed="rId3">
+            <a:extLst>
+              <a:ext uri="{28A0092B-C50C-407E-A947-70E740481C1C}">
+                <a14:useLocalDpi xmlns:a14="http://schemas.microsoft.com/office/drawing/2010/main" val="0"/>
+              </a:ext>
+            </a:extLst>
+          </a:blip>
+          <a:stretch>
+            <a:fillRect/>
+          </a:stretch>
+        </p:blipFill>
+        <p:spPr>
+          <a:xfrm>
+            <a:off x="6047214" y="2524048"/>
+            <a:ext cx="4845606" cy="3858200"/>
+          </a:xfrm>
+          <a:prstGeom prst="rect">
+            <a:avLst/>
+          </a:prstGeom>
+        </p:spPr>
+      </p:pic>
+    </p:spTree>
+    <p:extLst>
+      <p:ext uri="{BB962C8B-B14F-4D97-AF65-F5344CB8AC3E}">
+        <p14:creationId xmlns:p14="http://schemas.microsoft.com/office/powerpoint/2010/main" val="337654465"/>
+      </p:ext>
+    </p:extLst>
+  </p:cSld>
+  <p:clrMapOvr>
+    <a:masterClrMapping/>
+  </p:clrMapOvr>
+</p:sld>
+</file>
+
+<file path=ppt/slides/slide16.xml><?xml version="1.0" encoding="utf-8"?>
+<p:sld xmlns:a="http://schemas.openxmlformats.org/drawingml/2006/main" xmlns:r="http://schemas.openxmlformats.org/officeDocument/2006/relationships" xmlns:p="http://schemas.openxmlformats.org/presentationml/2006/main">
+  <p:cSld>
+    <p:spTree>
+      <p:nvGrpSpPr>
+        <p:cNvPr id="1" name=""/>
+        <p:cNvGrpSpPr/>
+        <p:nvPr/>
+      </p:nvGrpSpPr>
+      <p:grpSpPr>
+        <a:xfrm>
+          <a:off x="0" y="0"/>
+          <a:ext cx="0" cy="0"/>
+          <a:chOff x="0" y="0"/>
+          <a:chExt cx="0" cy="0"/>
+        </a:xfrm>
+      </p:grpSpPr>
+      <p:sp>
+        <p:nvSpPr>
+          <p:cNvPr id="2" name="Title 1">
+            <a:extLst>
+              <a:ext uri="{FF2B5EF4-FFF2-40B4-BE49-F238E27FC236}">
+                <a16:creationId xmlns:a16="http://schemas.microsoft.com/office/drawing/2014/main" id="{5B127A27-1F19-CBA0-5BDE-D157C204046A}"/>
+              </a:ext>
+            </a:extLst>
+          </p:cNvPr>
+          <p:cNvSpPr>
+            <a:spLocks noGrp="1"/>
+          </p:cNvSpPr>
+          <p:nvPr>
+            <p:ph type="title"/>
+          </p:nvPr>
+        </p:nvSpPr>
+        <p:spPr/>
+        <p:txBody>
+          <a:bodyPr/>
+          <a:lstStyle/>
+          <a:p>
+            <a:r>
+              <a:rPr lang="en-US" dirty="0"/>
+              <a:t>Implementation</a:t>
+            </a:r>
+            <a:endParaRPr lang="en-IN" dirty="0"/>
+          </a:p>
+        </p:txBody>
+      </p:sp>
+      <p:sp>
+        <p:nvSpPr>
+          <p:cNvPr id="4" name="Content Placeholder 3">
+            <a:extLst>
+              <a:ext uri="{FF2B5EF4-FFF2-40B4-BE49-F238E27FC236}">
+                <a16:creationId xmlns:a16="http://schemas.microsoft.com/office/drawing/2014/main" id="{4088C5B9-A71A-4951-EDDC-2102CD9D3BB4}"/>
+              </a:ext>
+            </a:extLst>
+          </p:cNvPr>
+          <p:cNvSpPr>
+            <a:spLocks noGrp="1"/>
+          </p:cNvSpPr>
+          <p:nvPr>
+            <p:ph idx="1"/>
+          </p:nvPr>
+        </p:nvSpPr>
+        <p:spPr/>
+        <p:txBody>
+          <a:bodyPr/>
+          <a:lstStyle/>
+          <a:p>
+            <a:r>
+              <a:rPr lang="en-IN" dirty="0"/>
+              <a:t>The shapes can be lines, rectangles and circles, to draw a shape we have to use our index finger to adjust the size as we want and close the second finger to print a shape.</a:t>
+            </a:r>
+          </a:p>
+          <a:p>
+            <a:endParaRPr lang="en-IN" dirty="0"/>
+          </a:p>
+        </p:txBody>
+      </p:sp>
+      <p:pic>
+        <p:nvPicPr>
+          <p:cNvPr id="8" name="Picture 7">
+            <a:extLst>
+              <a:ext uri="{FF2B5EF4-FFF2-40B4-BE49-F238E27FC236}">
+                <a16:creationId xmlns:a16="http://schemas.microsoft.com/office/drawing/2014/main" id="{346227B8-6B01-FBF0-81E3-6D7F7C468DBF}"/>
+              </a:ext>
+            </a:extLst>
+          </p:cNvPr>
+          <p:cNvPicPr>
+            <a:picLocks noChangeAspect="1"/>
+          </p:cNvPicPr>
+          <p:nvPr/>
+        </p:nvPicPr>
+        <p:blipFill>
+          <a:blip r:embed="rId2">
+            <a:extLst>
+              <a:ext uri="{28A0092B-C50C-407E-A947-70E740481C1C}">
+                <a14:useLocalDpi xmlns:a14="http://schemas.microsoft.com/office/drawing/2010/main" val="0"/>
+              </a:ext>
+            </a:extLst>
+          </a:blip>
+          <a:stretch>
+            <a:fillRect/>
+          </a:stretch>
+        </p:blipFill>
+        <p:spPr>
+          <a:xfrm>
+            <a:off x="648245" y="2858729"/>
+            <a:ext cx="3805768" cy="3019846"/>
+          </a:xfrm>
+          <a:prstGeom prst="rect">
+            <a:avLst/>
+          </a:prstGeom>
+        </p:spPr>
+      </p:pic>
+      <p:pic>
+        <p:nvPicPr>
+          <p:cNvPr id="10" name="Picture 9">
+            <a:extLst>
+              <a:ext uri="{FF2B5EF4-FFF2-40B4-BE49-F238E27FC236}">
+                <a16:creationId xmlns:a16="http://schemas.microsoft.com/office/drawing/2014/main" id="{C996AC46-F86A-94AE-3858-12F992F99972}"/>
+              </a:ext>
+            </a:extLst>
+          </p:cNvPr>
+          <p:cNvPicPr>
+            <a:picLocks noChangeAspect="1"/>
+          </p:cNvPicPr>
+          <p:nvPr/>
+        </p:nvPicPr>
+        <p:blipFill>
+          <a:blip r:embed="rId3">
+            <a:extLst>
+              <a:ext uri="{28A0092B-C50C-407E-A947-70E740481C1C}">
+                <a14:useLocalDpi xmlns:a14="http://schemas.microsoft.com/office/drawing/2010/main" val="0"/>
+              </a:ext>
+            </a:extLst>
+          </a:blip>
+          <a:stretch>
+            <a:fillRect/>
+          </a:stretch>
+        </p:blipFill>
+        <p:spPr>
+          <a:xfrm>
+            <a:off x="6001450" y="2851584"/>
+            <a:ext cx="3791479" cy="3034136"/>
+          </a:xfrm>
+          <a:prstGeom prst="rect">
+            <a:avLst/>
+          </a:prstGeom>
+        </p:spPr>
+      </p:pic>
+    </p:spTree>
+    <p:extLst>
+      <p:ext uri="{BB962C8B-B14F-4D97-AF65-F5344CB8AC3E}">
+        <p14:creationId xmlns:p14="http://schemas.microsoft.com/office/powerpoint/2010/main" val="1648303815"/>
+      </p:ext>
+    </p:extLst>
+  </p:cSld>
+  <p:clrMapOvr>
+    <a:masterClrMapping/>
+  </p:clrMapOvr>
+</p:sld>
+</file>
+
+<file path=ppt/slides/slide17.xml><?xml version="1.0" encoding="utf-8"?>
+<p:sld xmlns:a="http://schemas.openxmlformats.org/drawingml/2006/main" xmlns:r="http://schemas.openxmlformats.org/officeDocument/2006/relationships" xmlns:p="http://schemas.openxmlformats.org/presentationml/2006/main">
+  <p:cSld>
+    <p:spTree>
+      <p:nvGrpSpPr>
+        <p:cNvPr id="1" name=""/>
+        <p:cNvGrpSpPr/>
+        <p:nvPr/>
+      </p:nvGrpSpPr>
+      <p:grpSpPr>
+        <a:xfrm>
+          <a:off x="0" y="0"/>
+          <a:ext cx="0" cy="0"/>
+          <a:chOff x="0" y="0"/>
+          <a:chExt cx="0" cy="0"/>
+        </a:xfrm>
+      </p:grpSpPr>
+      <p:sp>
+        <p:nvSpPr>
+          <p:cNvPr id="2" name="Title 1">
+            <a:extLst>
+              <a:ext uri="{FF2B5EF4-FFF2-40B4-BE49-F238E27FC236}">
+                <a16:creationId xmlns:a16="http://schemas.microsoft.com/office/drawing/2014/main" id="{54887EA5-E026-1C9E-0127-92EF7122E814}"/>
+              </a:ext>
+            </a:extLst>
+          </p:cNvPr>
+          <p:cNvSpPr>
+            <a:spLocks noGrp="1"/>
+          </p:cNvSpPr>
+          <p:nvPr>
+            <p:ph type="title"/>
+          </p:nvPr>
+        </p:nvSpPr>
+        <p:spPr/>
+        <p:txBody>
+          <a:bodyPr/>
+          <a:lstStyle/>
+          <a:p>
+            <a:r>
+              <a:rPr lang="en-IN" dirty="0"/>
+              <a:t>Implementation</a:t>
+            </a:r>
+          </a:p>
+        </p:txBody>
+      </p:sp>
+      <p:sp>
+        <p:nvSpPr>
+          <p:cNvPr id="3" name="Content Placeholder 2">
+            <a:extLst>
+              <a:ext uri="{FF2B5EF4-FFF2-40B4-BE49-F238E27FC236}">
+                <a16:creationId xmlns:a16="http://schemas.microsoft.com/office/drawing/2014/main" id="{C7C35D98-5CC4-3A4F-6F96-C06D2508D7B0}"/>
+              </a:ext>
+            </a:extLst>
+          </p:cNvPr>
+          <p:cNvSpPr>
+            <a:spLocks noGrp="1"/>
+          </p:cNvSpPr>
+          <p:nvPr>
+            <p:ph idx="1"/>
+          </p:nvPr>
+        </p:nvSpPr>
+        <p:spPr/>
+        <p:txBody>
+          <a:bodyPr/>
+          <a:lstStyle/>
+          <a:p>
+            <a:r>
+              <a:rPr lang="en-IN" dirty="0"/>
+              <a:t>Additionally we have one more gesture for clearing the board, as soon as you make a fist gesture the board will be cleared.</a:t>
+            </a:r>
+          </a:p>
+          <a:p>
+            <a:endParaRPr lang="en-IN" dirty="0"/>
+          </a:p>
+        </p:txBody>
+      </p:sp>
+      <p:pic>
+        <p:nvPicPr>
+          <p:cNvPr id="5" name="Picture 4">
+            <a:extLst>
+              <a:ext uri="{FF2B5EF4-FFF2-40B4-BE49-F238E27FC236}">
+                <a16:creationId xmlns:a16="http://schemas.microsoft.com/office/drawing/2014/main" id="{A04EB904-C08A-8B21-A2B7-34F620020B74}"/>
+              </a:ext>
+            </a:extLst>
+          </p:cNvPr>
+          <p:cNvPicPr>
+            <a:picLocks noChangeAspect="1"/>
+          </p:cNvPicPr>
+          <p:nvPr/>
+        </p:nvPicPr>
+        <p:blipFill>
+          <a:blip r:embed="rId2">
+            <a:extLst>
+              <a:ext uri="{28A0092B-C50C-407E-A947-70E740481C1C}">
+                <a14:useLocalDpi xmlns:a14="http://schemas.microsoft.com/office/drawing/2010/main" val="0"/>
+              </a:ext>
+            </a:extLst>
+          </a:blip>
+          <a:stretch>
+            <a:fillRect/>
+          </a:stretch>
+        </p:blipFill>
+        <p:spPr>
+          <a:xfrm>
+            <a:off x="3008598" y="2197408"/>
+            <a:ext cx="5230835" cy="4142978"/>
+          </a:xfrm>
+          <a:prstGeom prst="rect">
+            <a:avLst/>
+          </a:prstGeom>
+        </p:spPr>
+      </p:pic>
+    </p:spTree>
+    <p:extLst>
+      <p:ext uri="{BB962C8B-B14F-4D97-AF65-F5344CB8AC3E}">
+        <p14:creationId xmlns:p14="http://schemas.microsoft.com/office/powerpoint/2010/main" val="2421276413"/>
+      </p:ext>
+    </p:extLst>
+  </p:cSld>
+  <p:clrMapOvr>
+    <a:masterClrMapping/>
+  </p:clrMapOvr>
+</p:sld>
+</file>
+
+<file path=ppt/slides/slide18.xml><?xml version="1.0" encoding="utf-8"?>
+<p:sld xmlns:a="http://schemas.openxmlformats.org/drawingml/2006/main" xmlns:r="http://schemas.openxmlformats.org/officeDocument/2006/relationships" xmlns:p="http://schemas.openxmlformats.org/presentationml/2006/main">
+  <p:cSld>
+    <p:spTree>
+      <p:nvGrpSpPr>
+        <p:cNvPr id="1" name=""/>
+        <p:cNvGrpSpPr/>
+        <p:nvPr/>
+      </p:nvGrpSpPr>
+      <p:grpSpPr>
+        <a:xfrm>
+          <a:off x="0" y="0"/>
+          <a:ext cx="0" cy="0"/>
+          <a:chOff x="0" y="0"/>
+          <a:chExt cx="0" cy="0"/>
+        </a:xfrm>
+      </p:grpSpPr>
+      <p:sp>
+        <p:nvSpPr>
+          <p:cNvPr id="2" name="Title 1"/>
+          <p:cNvSpPr>
+            <a:spLocks noGrp="1"/>
+          </p:cNvSpPr>
+          <p:nvPr>
+            <p:ph type="title"/>
+          </p:nvPr>
+        </p:nvSpPr>
+        <p:spPr/>
+        <p:txBody>
+          <a:bodyPr/>
+          <a:lstStyle/>
+          <a:p>
+            <a:r>
               <a:rPr lang="en-IN" dirty="0"/>
               <a:t>References</a:t>
             </a:r>
@@ -4292,9 +5625,16 @@
             <p:ph idx="1"/>
           </p:nvPr>
         </p:nvSpPr>
-        <p:spPr/>
+        <p:spPr>
+          <a:xfrm>
+            <a:off x="0" y="1097279"/>
+            <a:ext cx="12191997" cy="5527962"/>
+          </a:xfrm>
+        </p:spPr>
         <p:txBody>
-          <a:bodyPr/>
+          <a:bodyPr>
+            <a:normAutofit fontScale="92500" lnSpcReduction="10000"/>
+          </a:bodyPr>
           <a:lstStyle/>
           <a:p>
             <a:pPr marL="577850" indent="-577850">
@@ -4302,9 +5642,8 @@
             </a:pPr>
             <a:r>
               <a:rPr lang="en-IN" dirty="0"/>
-              <a:t>[1] Y. Huang, X. Liu, X. Zhang, and L. Jin, "A Pointing Gesture Based Egocentric Interaction System: Dataset, Approach, and Application," 2016 IEEE Conference on Computer Vision and Pattern Recognition Workshops (CVPRW), Las Vegas, NV, pp. 370 377, 2016. </a:t>
-            </a:r>
-            <a:endParaRPr lang="en-US" dirty="0"/>
+              <a:t>[1] Y. Huang, X. Liu, X. Zhang, and L. Jin, "A Pointing Gesture Based Egocentric Interaction System: Dataset, Approach, and Application," 2016 IEEE Conference on Computer Vision and Pattern Recognition Workshops (CVPRW), Las Vegas, NV, pp. 370 377, 2016.</a:t>
+            </a:r>
           </a:p>
           <a:p>
             <a:pPr marL="577850" indent="-577850">
@@ -4312,18 +5651,145 @@
             </a:pPr>
             <a:r>
               <a:rPr lang="en-IN" dirty="0"/>
-              <a:t>[2] P. Ramasamy, G. Prabhu, and R. Srinivasan, "An economical air writing system is converting finger movements to text using a web camera," 2016 International Conference on Recent Trends in Information Technology (ICRTIT), Chennai, pp. 1-6, 2016. </a:t>
-            </a:r>
-            <a:endParaRPr lang="en-US" dirty="0"/>
+              <a:t>[2] </a:t>
+            </a:r>
+            <a:r>
+              <a:rPr lang="en-IN" dirty="0" err="1"/>
+              <a:t>Saoji</a:t>
+            </a:r>
+            <a:r>
+              <a:rPr lang="en-IN" dirty="0"/>
+              <a:t>, S., Dua, N., Choudhary, A. K., &amp; </a:t>
+            </a:r>
+            <a:r>
+              <a:rPr lang="en-IN" dirty="0" err="1"/>
+              <a:t>Phogat</a:t>
+            </a:r>
+            <a:r>
+              <a:rPr lang="en-IN" dirty="0"/>
+              <a:t>, B. Air canvas application using </a:t>
+            </a:r>
+            <a:r>
+              <a:rPr lang="en-IN" dirty="0" err="1"/>
+              <a:t>Opencv</a:t>
+            </a:r>
+            <a:r>
+              <a:rPr lang="en-IN" dirty="0"/>
+              <a:t> and </a:t>
+            </a:r>
+            <a:r>
+              <a:rPr lang="en-IN" dirty="0" err="1"/>
+              <a:t>numpy</a:t>
+            </a:r>
+            <a:r>
+              <a:rPr lang="en-IN" dirty="0"/>
+              <a:t> in python.IRJET,8(08), 2021.</a:t>
+            </a:r>
           </a:p>
           <a:p>
             <a:pPr marL="577850" indent="-577850">
               <a:buNone/>
             </a:pPr>
             <a:r>
+              <a:rPr lang="en-IN" dirty="0"/>
+              <a:t>[3] Nikhil Pandey, </a:t>
+            </a:r>
+            <a:r>
+              <a:rPr lang="en-IN" dirty="0" err="1"/>
+              <a:t>Aayushi</a:t>
+            </a:r>
+            <a:r>
+              <a:rPr lang="en-IN" dirty="0"/>
+              <a:t> Saxena, </a:t>
+            </a:r>
+            <a:r>
+              <a:rPr lang="en-IN" dirty="0" err="1"/>
+              <a:t>Amanya</a:t>
+            </a:r>
+            <a:r>
+              <a:rPr lang="en-IN" dirty="0"/>
+              <a:t> Verma “COLOUR DETECTION USING OPENCV”, International Journal of New Technology and Research (IJNTR) ISSN: 2454-4116, Volume-7, Issue 5, May 2021.</a:t>
+            </a:r>
+          </a:p>
+          <a:p>
+            <a:pPr marL="577850" indent="-577850">
+              <a:buNone/>
+            </a:pPr>
+            <a:r>
+              <a:rPr lang="en-IN" dirty="0"/>
+              <a:t>[4] </a:t>
+            </a:r>
+            <a:r>
+              <a:rPr lang="en-IN" dirty="0" err="1"/>
+              <a:t>Guluru</a:t>
+            </a:r>
+            <a:r>
+              <a:rPr lang="en-IN" dirty="0"/>
+              <a:t> Manoj Reddy, R Murali Dhar, Naveen Kumar, E </a:t>
+            </a:r>
+            <a:r>
+              <a:rPr lang="en-IN" dirty="0" err="1"/>
+              <a:t>Sathiyanarayanan</a:t>
+            </a:r>
+            <a:r>
+              <a:rPr lang="en-IN" dirty="0"/>
+              <a:t> "AIR SCRIPTING USING OPENCV“, (IJCRT) Volume 10, Issue 6 June 2022.</a:t>
+            </a:r>
+          </a:p>
+          <a:p>
+            <a:pPr marL="577850" indent="-577850">
+              <a:buNone/>
+            </a:pPr>
+            <a:r>
+              <a:rPr lang="en-IN" dirty="0"/>
+              <a:t>[5] Pratik  </a:t>
+            </a:r>
+            <a:r>
+              <a:rPr lang="en-IN" dirty="0" err="1"/>
+              <a:t>Nikhar</a:t>
+            </a:r>
+            <a:r>
+              <a:rPr lang="en-IN" dirty="0"/>
+              <a:t>, </a:t>
+            </a:r>
+            <a:r>
+              <a:rPr lang="en-IN" dirty="0" err="1"/>
+              <a:t>Lowlesh</a:t>
+            </a:r>
+            <a:r>
+              <a:rPr lang="en-IN" dirty="0"/>
+              <a:t> Yadav, </a:t>
+            </a:r>
+            <a:r>
+              <a:rPr lang="en-IN" dirty="0" err="1"/>
+              <a:t>Neehal</a:t>
+            </a:r>
+            <a:r>
+              <a:rPr lang="en-IN" dirty="0"/>
+              <a:t>  </a:t>
+            </a:r>
+            <a:r>
+              <a:rPr lang="en-IN" dirty="0" err="1"/>
+              <a:t>Jiwane</a:t>
+            </a:r>
+            <a:r>
+              <a:rPr lang="en-IN" dirty="0"/>
+              <a:t>, “</a:t>
+            </a:r>
+            <a:r>
               <a:rPr lang="en-US" dirty="0"/>
-              <a:t>[3] Saira Beg, M. Fahad Khan and Faisal Baig, "Text Writing in Air," Journal of Information Display Volume 14, Issue 4, 2013.</a:t>
-            </a:r>
+              <a:t>AIR CANVAS APPLICATION USING OPENCV AND NUMPY IN PYTHON”, (IJFIAHM), Volume 3, Issue , 2024.</a:t>
+            </a:r>
+          </a:p>
+          <a:p>
+            <a:pPr marL="577850" indent="-577850">
+              <a:buNone/>
+            </a:pPr>
+            <a:r>
+              <a:rPr lang="en-IN" dirty="0"/>
+              <a:t> </a:t>
+            </a:r>
+            <a:endParaRPr lang="en-US" dirty="0"/>
           </a:p>
         </p:txBody>
       </p:sp>
@@ -4335,7 +5801,7 @@
 </p:sld>
 </file>
 
-<file path=ppt/slides/slide11.xml><?xml version="1.0" encoding="utf-8"?>
+<file path=ppt/slides/slide19.xml><?xml version="1.0" encoding="utf-8"?>
 <p:sld xmlns:a="http://schemas.openxmlformats.org/drawingml/2006/main" xmlns:r="http://schemas.openxmlformats.org/officeDocument/2006/relationships" xmlns:p="http://schemas.openxmlformats.org/presentationml/2006/main">
   <p:cSld>
     <p:spTree>
@@ -4399,98 +5865,6 @@
                 <a:cs typeface="Times New Roman" panose="02020603050405020304" pitchFamily="18" charset="0"/>
               </a:rPr>
               <a:t>Any Queries?</a:t>
-            </a:r>
-            <a:endParaRPr lang="en-IN" sz="9600" dirty="0">
-              <a:ln w="0"/>
-              <a:solidFill>
-                <a:srgbClr val="FF6600"/>
-              </a:solidFill>
-              <a:effectLst>
-                <a:outerShdw blurRad="38100" dist="25400" dir="5400000" algn="ctr" rotWithShape="0">
-                  <a:srgbClr val="6E747A">
-                    <a:alpha val="43000"/>
-                  </a:srgbClr>
-                </a:outerShdw>
-              </a:effectLst>
-              <a:latin typeface="Calibri" panose="020F0502020204030204" pitchFamily="34" charset="0"/>
-              <a:ea typeface="Calibri" panose="020F0502020204030204" pitchFamily="34" charset="0"/>
-              <a:cs typeface="Times New Roman" panose="02020603050405020304" pitchFamily="18" charset="0"/>
-            </a:endParaRPr>
-          </a:p>
-        </p:txBody>
-      </p:sp>
-    </p:spTree>
-  </p:cSld>
-  <p:clrMapOvr>
-    <a:masterClrMapping/>
-  </p:clrMapOvr>
-</p:sld>
-</file>
-
-<file path=ppt/slides/slide12.xml><?xml version="1.0" encoding="utf-8"?>
-<p:sld xmlns:a="http://schemas.openxmlformats.org/drawingml/2006/main" xmlns:r="http://schemas.openxmlformats.org/officeDocument/2006/relationships" xmlns:p="http://schemas.openxmlformats.org/presentationml/2006/main">
-  <p:cSld>
-    <p:spTree>
-      <p:nvGrpSpPr>
-        <p:cNvPr id="1" name=""/>
-        <p:cNvGrpSpPr/>
-        <p:nvPr/>
-      </p:nvGrpSpPr>
-      <p:grpSpPr>
-        <a:xfrm>
-          <a:off x="0" y="0"/>
-          <a:ext cx="0" cy="0"/>
-          <a:chOff x="0" y="0"/>
-          <a:chExt cx="0" cy="0"/>
-        </a:xfrm>
-      </p:grpSpPr>
-      <p:sp>
-        <p:nvSpPr>
-          <p:cNvPr id="2" name="Rectangle 1"/>
-          <p:cNvSpPr/>
-          <p:nvPr/>
-        </p:nvSpPr>
-        <p:spPr>
-          <a:xfrm>
-            <a:off x="2753613" y="2375670"/>
-            <a:ext cx="6603859" cy="1595117"/>
-          </a:xfrm>
-          <a:prstGeom prst="rect">
-            <a:avLst/>
-          </a:prstGeom>
-        </p:spPr>
-        <p:txBody>
-          <a:bodyPr wrap="none">
-            <a:spAutoFit/>
-          </a:bodyPr>
-          <a:lstStyle/>
-          <a:p>
-            <a:pPr>
-              <a:lnSpc>
-                <a:spcPct val="107000"/>
-              </a:lnSpc>
-              <a:spcAft>
-                <a:spcPts val="800"/>
-              </a:spcAft>
-            </a:pPr>
-            <a:r>
-              <a:rPr lang="en-US" sz="9600" i="1" dirty="0">
-                <a:ln w="0"/>
-                <a:solidFill>
-                  <a:srgbClr val="FF6600"/>
-                </a:solidFill>
-                <a:effectLst>
-                  <a:outerShdw blurRad="38100" dist="25400" dir="5400000" algn="ctr" rotWithShape="0">
-                    <a:srgbClr val="6E747A">
-                      <a:alpha val="43000"/>
-                    </a:srgbClr>
-                  </a:outerShdw>
-                </a:effectLst>
-                <a:latin typeface="Times New Roman" panose="02020603050405020304" pitchFamily="18" charset="0"/>
-                <a:ea typeface="Calibri" panose="020F0502020204030204" pitchFamily="34" charset="0"/>
-                <a:cs typeface="Times New Roman" panose="02020603050405020304" pitchFamily="18" charset="0"/>
-              </a:rPr>
-              <a:t>Thank You!!!</a:t>
             </a:r>
             <a:endParaRPr lang="en-IN" sz="9600" dirty="0">
               <a:ln w="0"/>
@@ -4572,11 +5946,11 @@
         <p:spPr/>
         <p:txBody>
           <a:bodyPr>
-            <a:normAutofit/>
+            <a:normAutofit fontScale="85000" lnSpcReduction="20000"/>
           </a:bodyPr>
           <a:lstStyle/>
           <a:p>
-            <a:pPr marL="462280" indent="-462280">
+            <a:pPr>
               <a:lnSpc>
                 <a:spcPct val="150000"/>
               </a:lnSpc>
@@ -4586,15 +5960,8 @@
               <a:spcAft>
                 <a:spcPts val="500"/>
               </a:spcAft>
-              <a:buBlip>
-                <a:blip r:embed="rId2">
-                  <a:extLst>
-                    <a:ext uri="{96DAC541-7B7A-43D3-8B79-37D633B846F1}">
-                      <asvg:svgBlip xmlns:asvg="http://schemas.microsoft.com/office/drawing/2016/SVG/main" r:embed="rId3"/>
-                    </a:ext>
-                  </a:extLst>
-                </a:blip>
-              </a:buBlip>
+              <a:buFont typeface="Arial" panose="020B0604020202020204" pitchFamily="34" charset="0"/>
+              <a:buChar char="•"/>
             </a:pPr>
             <a:r>
               <a:rPr lang="en-US" dirty="0"/>
@@ -4602,7 +5969,7 @@
             </a:r>
           </a:p>
           <a:p>
-            <a:pPr marL="462280" indent="-462280">
+            <a:pPr>
               <a:lnSpc>
                 <a:spcPct val="150000"/>
               </a:lnSpc>
@@ -4612,23 +5979,16 @@
               <a:spcAft>
                 <a:spcPts val="500"/>
               </a:spcAft>
-              <a:buBlip>
-                <a:blip r:embed="rId2">
-                  <a:extLst>
-                    <a:ext uri="{96DAC541-7B7A-43D3-8B79-37D633B846F1}">
-                      <asvg:svgBlip xmlns:asvg="http://schemas.microsoft.com/office/drawing/2016/SVG/main" r:embed="rId3"/>
-                    </a:ext>
-                  </a:extLst>
-                </a:blip>
-              </a:buBlip>
+              <a:buFont typeface="Arial" panose="020B0604020202020204" pitchFamily="34" charset="0"/>
+              <a:buChar char="•"/>
             </a:pPr>
             <a:r>
               <a:rPr lang="en-US" dirty="0"/>
-              <a:t>Introduction</a:t>
-            </a:r>
-          </a:p>
-          <a:p>
-            <a:pPr marL="462280" indent="-462280">
+              <a:t>Objectives</a:t>
+            </a:r>
+          </a:p>
+          <a:p>
+            <a:pPr>
               <a:lnSpc>
                 <a:spcPct val="150000"/>
               </a:lnSpc>
@@ -4638,23 +5998,16 @@
               <a:spcAft>
                 <a:spcPts val="500"/>
               </a:spcAft>
-              <a:buBlip>
-                <a:blip r:embed="rId2">
-                  <a:extLst>
-                    <a:ext uri="{96DAC541-7B7A-43D3-8B79-37D633B846F1}">
-                      <asvg:svgBlip xmlns:asvg="http://schemas.microsoft.com/office/drawing/2016/SVG/main" r:embed="rId3"/>
-                    </a:ext>
-                  </a:extLst>
-                </a:blip>
-              </a:buBlip>
+              <a:buFont typeface="Arial" panose="020B0604020202020204" pitchFamily="34" charset="0"/>
+              <a:buChar char="•"/>
             </a:pPr>
             <a:r>
               <a:rPr lang="en-US" dirty="0"/>
-              <a:t>Existing System </a:t>
-            </a:r>
-          </a:p>
-          <a:p>
-            <a:pPr marL="462280" indent="-462280">
+              <a:t>Introduction</a:t>
+            </a:r>
+          </a:p>
+          <a:p>
+            <a:pPr>
               <a:lnSpc>
                 <a:spcPct val="150000"/>
               </a:lnSpc>
@@ -4664,23 +6017,16 @@
               <a:spcAft>
                 <a:spcPts val="500"/>
               </a:spcAft>
-              <a:buBlip>
-                <a:blip r:embed="rId2">
-                  <a:extLst>
-                    <a:ext uri="{96DAC541-7B7A-43D3-8B79-37D633B846F1}">
-                      <asvg:svgBlip xmlns:asvg="http://schemas.microsoft.com/office/drawing/2016/SVG/main" r:embed="rId3"/>
-                    </a:ext>
-                  </a:extLst>
-                </a:blip>
-              </a:buBlip>
+              <a:buFont typeface="Arial" panose="020B0604020202020204" pitchFamily="34" charset="0"/>
+              <a:buChar char="•"/>
             </a:pPr>
             <a:r>
               <a:rPr lang="en-US" dirty="0"/>
-              <a:t>Proposed System</a:t>
-            </a:r>
-          </a:p>
-          <a:p>
-            <a:pPr marL="462280" indent="-462280">
+              <a:t>Literature Survey</a:t>
+            </a:r>
+          </a:p>
+          <a:p>
+            <a:pPr>
               <a:lnSpc>
                 <a:spcPct val="150000"/>
               </a:lnSpc>
@@ -4690,23 +6036,16 @@
               <a:spcAft>
                 <a:spcPts val="500"/>
               </a:spcAft>
-              <a:buBlip>
-                <a:blip r:embed="rId2">
-                  <a:extLst>
-                    <a:ext uri="{96DAC541-7B7A-43D3-8B79-37D633B846F1}">
-                      <asvg:svgBlip xmlns:asvg="http://schemas.microsoft.com/office/drawing/2016/SVG/main" r:embed="rId3"/>
-                    </a:ext>
-                  </a:extLst>
-                </a:blip>
-              </a:buBlip>
+              <a:buFont typeface="Arial" panose="020B0604020202020204" pitchFamily="34" charset="0"/>
+              <a:buChar char="•"/>
             </a:pPr>
             <a:r>
               <a:rPr lang="en-US" dirty="0"/>
-              <a:t>System Requirements</a:t>
-            </a:r>
-          </a:p>
-          <a:p>
-            <a:pPr marL="462280" indent="-462280">
+              <a:t>Existing System </a:t>
+            </a:r>
+          </a:p>
+          <a:p>
+            <a:pPr>
               <a:lnSpc>
                 <a:spcPct val="150000"/>
               </a:lnSpc>
@@ -4716,23 +6055,16 @@
               <a:spcAft>
                 <a:spcPts val="500"/>
               </a:spcAft>
-              <a:buBlip>
-                <a:blip r:embed="rId2">
-                  <a:extLst>
-                    <a:ext uri="{96DAC541-7B7A-43D3-8B79-37D633B846F1}">
-                      <asvg:svgBlip xmlns:asvg="http://schemas.microsoft.com/office/drawing/2016/SVG/main" r:embed="rId3"/>
-                    </a:ext>
-                  </a:extLst>
-                </a:blip>
-              </a:buBlip>
+              <a:buFont typeface="Arial" panose="020B0604020202020204" pitchFamily="34" charset="0"/>
+              <a:buChar char="•"/>
             </a:pPr>
             <a:r>
               <a:rPr lang="en-US" dirty="0"/>
-              <a:t>Literature Survey</a:t>
-            </a:r>
-          </a:p>
-          <a:p>
-            <a:pPr marL="462280" indent="-462280">
+              <a:t>Proposed System</a:t>
+            </a:r>
+          </a:p>
+          <a:p>
+            <a:pPr>
               <a:lnSpc>
                 <a:spcPct val="150000"/>
               </a:lnSpc>
@@ -4742,21 +6074,144 @@
               <a:spcAft>
                 <a:spcPts val="500"/>
               </a:spcAft>
-              <a:buBlip>
-                <a:blip r:embed="rId2">
-                  <a:extLst>
-                    <a:ext uri="{96DAC541-7B7A-43D3-8B79-37D633B846F1}">
-                      <asvg:svgBlip xmlns:asvg="http://schemas.microsoft.com/office/drawing/2016/SVG/main" r:embed="rId3"/>
-                    </a:ext>
-                  </a:extLst>
-                </a:blip>
-              </a:buBlip>
+              <a:buFont typeface="Arial" panose="020B0604020202020204" pitchFamily="34" charset="0"/>
+              <a:buChar char="•"/>
+            </a:pPr>
+            <a:r>
+              <a:rPr lang="en-US" dirty="0"/>
+              <a:t>Design</a:t>
+            </a:r>
+          </a:p>
+          <a:p>
+            <a:pPr>
+              <a:lnSpc>
+                <a:spcPct val="150000"/>
+              </a:lnSpc>
+              <a:spcBef>
+                <a:spcPts val="500"/>
+              </a:spcBef>
+              <a:spcAft>
+                <a:spcPts val="500"/>
+              </a:spcAft>
+              <a:buFont typeface="Arial" panose="020B0604020202020204" pitchFamily="34" charset="0"/>
+              <a:buChar char="•"/>
+            </a:pPr>
+            <a:r>
+              <a:rPr lang="en-US" dirty="0"/>
+              <a:t>Implementation</a:t>
+            </a:r>
+          </a:p>
+          <a:p>
+            <a:pPr>
+              <a:lnSpc>
+                <a:spcPct val="150000"/>
+              </a:lnSpc>
+              <a:spcBef>
+                <a:spcPts val="500"/>
+              </a:spcBef>
+              <a:spcAft>
+                <a:spcPts val="500"/>
+              </a:spcAft>
+              <a:buFont typeface="Arial" panose="020B0604020202020204" pitchFamily="34" charset="0"/>
+              <a:buChar char="•"/>
             </a:pPr>
             <a:r>
               <a:rPr lang="en-US" dirty="0"/>
               <a:t>References</a:t>
             </a:r>
             <a:endParaRPr lang="en-IN" dirty="0"/>
+          </a:p>
+        </p:txBody>
+      </p:sp>
+    </p:spTree>
+  </p:cSld>
+  <p:clrMapOvr>
+    <a:masterClrMapping/>
+  </p:clrMapOvr>
+</p:sld>
+</file>
+
+<file path=ppt/slides/slide20.xml><?xml version="1.0" encoding="utf-8"?>
+<p:sld xmlns:a="http://schemas.openxmlformats.org/drawingml/2006/main" xmlns:r="http://schemas.openxmlformats.org/officeDocument/2006/relationships" xmlns:p="http://schemas.openxmlformats.org/presentationml/2006/main">
+  <p:cSld>
+    <p:spTree>
+      <p:nvGrpSpPr>
+        <p:cNvPr id="1" name=""/>
+        <p:cNvGrpSpPr/>
+        <p:nvPr/>
+      </p:nvGrpSpPr>
+      <p:grpSpPr>
+        <a:xfrm>
+          <a:off x="0" y="0"/>
+          <a:ext cx="0" cy="0"/>
+          <a:chOff x="0" y="0"/>
+          <a:chExt cx="0" cy="0"/>
+        </a:xfrm>
+      </p:grpSpPr>
+      <p:sp>
+        <p:nvSpPr>
+          <p:cNvPr id="2" name="Rectangle 1"/>
+          <p:cNvSpPr/>
+          <p:nvPr/>
+        </p:nvSpPr>
+        <p:spPr>
+          <a:xfrm>
+            <a:off x="2753613" y="2375670"/>
+            <a:ext cx="6603859" cy="1595117"/>
+          </a:xfrm>
+          <a:prstGeom prst="rect">
+            <a:avLst/>
+          </a:prstGeom>
+        </p:spPr>
+        <p:txBody>
+          <a:bodyPr wrap="none">
+            <a:spAutoFit/>
+          </a:bodyPr>
+          <a:lstStyle/>
+          <a:p>
+            <a:pPr>
+              <a:lnSpc>
+                <a:spcPct val="107000"/>
+              </a:lnSpc>
+              <a:spcAft>
+                <a:spcPts val="800"/>
+              </a:spcAft>
+            </a:pPr>
+            <a:r>
+              <a:rPr lang="en-US" sz="9600" i="1" dirty="0">
+                <a:ln w="0"/>
+                <a:solidFill>
+                  <a:srgbClr val="FF6600"/>
+                </a:solidFill>
+                <a:effectLst>
+                  <a:outerShdw blurRad="38100" dist="25400" dir="5400000" algn="ctr" rotWithShape="0">
+                    <a:srgbClr val="6E747A">
+                      <a:alpha val="43000"/>
+                    </a:srgbClr>
+                  </a:outerShdw>
+                </a:effectLst>
+                <a:latin typeface="Times New Roman" panose="02020603050405020304" pitchFamily="18" charset="0"/>
+                <a:ea typeface="Calibri" panose="020F0502020204030204" pitchFamily="34" charset="0"/>
+                <a:cs typeface="Times New Roman" panose="02020603050405020304" pitchFamily="18" charset="0"/>
+              </a:rPr>
+              <a:t>Thank You!!!</a:t>
+            </a:r>
+            <a:endParaRPr lang="en-IN" sz="9600" dirty="0">
+              <a:ln w="0"/>
+              <a:solidFill>
+                <a:srgbClr val="FF6600"/>
+              </a:solidFill>
+              <a:effectLst>
+                <a:outerShdw blurRad="38100" dist="25400" dir="5400000" algn="ctr" rotWithShape="0">
+                  <a:srgbClr val="6E747A">
+                    <a:alpha val="43000"/>
+                  </a:srgbClr>
+                </a:outerShdw>
+              </a:effectLst>
+              <a:latin typeface="Calibri" panose="020F0502020204030204" pitchFamily="34" charset="0"/>
+              <a:ea typeface="Calibri" panose="020F0502020204030204" pitchFamily="34" charset="0"/>
+              <a:cs typeface="Times New Roman" panose="02020603050405020304" pitchFamily="18" charset="0"/>
+            </a:endParaRPr>
           </a:p>
         </p:txBody>
       </p:sp>
@@ -4862,6 +6317,104 @@
       </p:grpSpPr>
       <p:sp>
         <p:nvSpPr>
+          <p:cNvPr id="2" name="Title 1">
+            <a:extLst>
+              <a:ext uri="{FF2B5EF4-FFF2-40B4-BE49-F238E27FC236}">
+                <a16:creationId xmlns:a16="http://schemas.microsoft.com/office/drawing/2014/main" id="{DEA678D2-C6DD-8946-9CEB-4B027D1316E5}"/>
+              </a:ext>
+            </a:extLst>
+          </p:cNvPr>
+          <p:cNvSpPr>
+            <a:spLocks noGrp="1"/>
+          </p:cNvSpPr>
+          <p:nvPr>
+            <p:ph type="title"/>
+          </p:nvPr>
+        </p:nvSpPr>
+        <p:spPr/>
+        <p:txBody>
+          <a:bodyPr/>
+          <a:lstStyle/>
+          <a:p>
+            <a:r>
+              <a:rPr lang="en-IN" dirty="0"/>
+              <a:t>Objectives</a:t>
+            </a:r>
+          </a:p>
+        </p:txBody>
+      </p:sp>
+      <p:sp>
+        <p:nvSpPr>
+          <p:cNvPr id="3" name="Content Placeholder 2">
+            <a:extLst>
+              <a:ext uri="{FF2B5EF4-FFF2-40B4-BE49-F238E27FC236}">
+                <a16:creationId xmlns:a16="http://schemas.microsoft.com/office/drawing/2014/main" id="{18ED6778-57A0-A929-AB5E-B63654BDFA06}"/>
+              </a:ext>
+            </a:extLst>
+          </p:cNvPr>
+          <p:cNvSpPr>
+            <a:spLocks noGrp="1"/>
+          </p:cNvSpPr>
+          <p:nvPr>
+            <p:ph idx="1"/>
+          </p:nvPr>
+        </p:nvSpPr>
+        <p:spPr/>
+        <p:txBody>
+          <a:bodyPr/>
+          <a:lstStyle/>
+          <a:p>
+            <a:r>
+              <a:rPr lang="en-IN" dirty="0"/>
+              <a:t>To develop an air canvas with more features.</a:t>
+            </a:r>
+          </a:p>
+          <a:p>
+            <a:r>
+              <a:rPr lang="en-IN" dirty="0"/>
+              <a:t>Add more gestures for an intuitive experience.</a:t>
+            </a:r>
+          </a:p>
+          <a:p>
+            <a:r>
+              <a:rPr lang="en-IN" dirty="0"/>
+              <a:t>Creating an fps tracker for understanding the relationship between the gestures and camera.</a:t>
+            </a:r>
+          </a:p>
+        </p:txBody>
+      </p:sp>
+    </p:spTree>
+    <p:extLst>
+      <p:ext uri="{BB962C8B-B14F-4D97-AF65-F5344CB8AC3E}">
+        <p14:creationId xmlns:p14="http://schemas.microsoft.com/office/powerpoint/2010/main" val="4078194792"/>
+      </p:ext>
+    </p:extLst>
+  </p:cSld>
+  <p:clrMapOvr>
+    <a:masterClrMapping/>
+  </p:clrMapOvr>
+</p:sld>
+</file>
+
+<file path=ppt/slides/slide5.xml><?xml version="1.0" encoding="utf-8"?>
+<p:sld xmlns:a="http://schemas.openxmlformats.org/drawingml/2006/main" xmlns:r="http://schemas.openxmlformats.org/officeDocument/2006/relationships" xmlns:p="http://schemas.openxmlformats.org/presentationml/2006/main">
+  <p:cSld>
+    <p:spTree>
+      <p:nvGrpSpPr>
+        <p:cNvPr id="1" name=""/>
+        <p:cNvGrpSpPr/>
+        <p:nvPr/>
+      </p:nvGrpSpPr>
+      <p:grpSpPr>
+        <a:xfrm>
+          <a:off x="0" y="0"/>
+          <a:ext cx="0" cy="0"/>
+          <a:chOff x="0" y="0"/>
+          <a:chExt cx="0" cy="0"/>
+        </a:xfrm>
+      </p:grpSpPr>
+      <p:sp>
+        <p:nvSpPr>
           <p:cNvPr id="2" name="Title 1"/>
           <p:cNvSpPr>
             <a:spLocks noGrp="1"/>
@@ -4986,7 +6539,7 @@
 </p:sld>
 </file>
 
-<file path=ppt/slides/slide5.xml><?xml version="1.0" encoding="utf-8"?>
+<file path=ppt/slides/slide6.xml><?xml version="1.0" encoding="utf-8"?>
 <p:sld xmlns:a="http://schemas.openxmlformats.org/drawingml/2006/main" xmlns:r="http://schemas.openxmlformats.org/officeDocument/2006/relationships" xmlns:p="http://schemas.openxmlformats.org/presentationml/2006/main">
   <p:cSld>
     <p:spTree>
@@ -5117,7 +6670,1130 @@
 </p:sld>
 </file>
 
-<file path=ppt/slides/slide6.xml><?xml version="1.0" encoding="utf-8"?>
+<file path=ppt/slides/slide7.xml><?xml version="1.0" encoding="utf-8"?>
+<p:sld xmlns:a="http://schemas.openxmlformats.org/drawingml/2006/main" xmlns:r="http://schemas.openxmlformats.org/officeDocument/2006/relationships" xmlns:p="http://schemas.openxmlformats.org/presentationml/2006/main">
+  <p:cSld>
+    <p:spTree>
+      <p:nvGrpSpPr>
+        <p:cNvPr id="1" name="">
+          <a:extLst>
+            <a:ext uri="{FF2B5EF4-FFF2-40B4-BE49-F238E27FC236}">
+              <a16:creationId xmlns:a16="http://schemas.microsoft.com/office/drawing/2014/main" id="{0EBCD03D-318E-ACB9-469B-BF18A78C05EF}"/>
+            </a:ext>
+          </a:extLst>
+        </p:cNvPr>
+        <p:cNvGrpSpPr/>
+        <p:nvPr/>
+      </p:nvGrpSpPr>
+      <p:grpSpPr>
+        <a:xfrm>
+          <a:off x="0" y="0"/>
+          <a:ext cx="0" cy="0"/>
+          <a:chOff x="0" y="0"/>
+          <a:chExt cx="0" cy="0"/>
+        </a:xfrm>
+      </p:grpSpPr>
+      <p:sp>
+        <p:nvSpPr>
+          <p:cNvPr id="2" name="Title 1">
+            <a:extLst>
+              <a:ext uri="{FF2B5EF4-FFF2-40B4-BE49-F238E27FC236}">
+                <a16:creationId xmlns:a16="http://schemas.microsoft.com/office/drawing/2014/main" id="{8A08D16D-C7C8-7E82-E793-F5E3FE2A1A4A}"/>
+              </a:ext>
+            </a:extLst>
+          </p:cNvPr>
+          <p:cNvSpPr>
+            <a:spLocks noGrp="1"/>
+          </p:cNvSpPr>
+          <p:nvPr>
+            <p:ph type="title"/>
+          </p:nvPr>
+        </p:nvSpPr>
+        <p:spPr/>
+        <p:txBody>
+          <a:bodyPr/>
+          <a:lstStyle/>
+          <a:p>
+            <a:r>
+              <a:rPr lang="en-US" dirty="0"/>
+              <a:t>Literature Survey</a:t>
+            </a:r>
+            <a:endParaRPr lang="en-IN" dirty="0"/>
+          </a:p>
+        </p:txBody>
+      </p:sp>
+      <p:graphicFrame>
+        <p:nvGraphicFramePr>
+          <p:cNvPr id="3" name="Content Placeholder 2">
+            <a:extLst>
+              <a:ext uri="{FF2B5EF4-FFF2-40B4-BE49-F238E27FC236}">
+                <a16:creationId xmlns:a16="http://schemas.microsoft.com/office/drawing/2014/main" id="{14544950-829C-49DF-07D1-ACDF137F5521}"/>
+              </a:ext>
+            </a:extLst>
+          </p:cNvPr>
+          <p:cNvGraphicFramePr>
+            <a:graphicFrameLocks noGrp="1"/>
+          </p:cNvGraphicFramePr>
+          <p:nvPr>
+            <p:ph idx="1"/>
+            <p:extLst>
+              <p:ext uri="{D42A27DB-BD31-4B8C-83A1-F6EECF244321}">
+                <p14:modId xmlns:p14="http://schemas.microsoft.com/office/powerpoint/2010/main" val="3698883360"/>
+              </p:ext>
+            </p:extLst>
+          </p:nvPr>
+        </p:nvGraphicFramePr>
+        <p:xfrm>
+          <a:off x="0" y="1096963"/>
+          <a:ext cx="12191998" cy="5029200"/>
+        </p:xfrm>
+        <a:graphic>
+          <a:graphicData uri="http://schemas.openxmlformats.org/drawingml/2006/table">
+            <a:tbl>
+              <a:tblPr firstRow="1" bandRow="1">
+                <a:tableStyleId>{5C22544A-7EE6-4342-B048-85BDC9FD1C3A}</a:tableStyleId>
+              </a:tblPr>
+              <a:tblGrid>
+                <a:gridCol w="490343">
+                  <a:extLst>
+                    <a:ext uri="{9D8B030D-6E8A-4147-A177-3AD203B41FA5}">
+                      <a16:colId xmlns:a16="http://schemas.microsoft.com/office/drawing/2014/main" val="1320115399"/>
+                    </a:ext>
+                  </a:extLst>
+                </a:gridCol>
+                <a:gridCol w="2058924">
+                  <a:extLst>
+                    <a:ext uri="{9D8B030D-6E8A-4147-A177-3AD203B41FA5}">
+                      <a16:colId xmlns:a16="http://schemas.microsoft.com/office/drawing/2014/main" val="1175414981"/>
+                    </a:ext>
+                  </a:extLst>
+                </a:gridCol>
+                <a:gridCol w="1129088">
+                  <a:extLst>
+                    <a:ext uri="{9D8B030D-6E8A-4147-A177-3AD203B41FA5}">
+                      <a16:colId xmlns:a16="http://schemas.microsoft.com/office/drawing/2014/main" val="1847812217"/>
+                    </a:ext>
+                  </a:extLst>
+                </a:gridCol>
+                <a:gridCol w="2789509">
+                  <a:extLst>
+                    <a:ext uri="{9D8B030D-6E8A-4147-A177-3AD203B41FA5}">
+                      <a16:colId xmlns:a16="http://schemas.microsoft.com/office/drawing/2014/main" val="1736421171"/>
+                    </a:ext>
+                  </a:extLst>
+                </a:gridCol>
+                <a:gridCol w="1938199">
+                  <a:extLst>
+                    <a:ext uri="{9D8B030D-6E8A-4147-A177-3AD203B41FA5}">
+                      <a16:colId xmlns:a16="http://schemas.microsoft.com/office/drawing/2014/main" val="662826426"/>
+                    </a:ext>
+                  </a:extLst>
+                </a:gridCol>
+                <a:gridCol w="2117558">
+                  <a:extLst>
+                    <a:ext uri="{9D8B030D-6E8A-4147-A177-3AD203B41FA5}">
+                      <a16:colId xmlns:a16="http://schemas.microsoft.com/office/drawing/2014/main" val="2870518135"/>
+                    </a:ext>
+                  </a:extLst>
+                </a:gridCol>
+                <a:gridCol w="1668377">
+                  <a:extLst>
+                    <a:ext uri="{9D8B030D-6E8A-4147-A177-3AD203B41FA5}">
+                      <a16:colId xmlns:a16="http://schemas.microsoft.com/office/drawing/2014/main" val="4341266"/>
+                    </a:ext>
+                  </a:extLst>
+                </a:gridCol>
+              </a:tblGrid>
+              <a:tr h="577534">
+                <a:tc>
+                  <a:txBody>
+                    <a:bodyPr/>
+                    <a:lstStyle/>
+                    <a:p>
+                      <a:r>
+                        <a:rPr lang="en-IN" dirty="0"/>
+                        <a:t>No</a:t>
+                      </a:r>
+                    </a:p>
+                  </a:txBody>
+                  <a:tcPr/>
+                </a:tc>
+                <a:tc>
+                  <a:txBody>
+                    <a:bodyPr/>
+                    <a:lstStyle/>
+                    <a:p>
+                      <a:r>
+                        <a:rPr lang="en-IN" dirty="0"/>
+                        <a:t>Title</a:t>
+                      </a:r>
+                    </a:p>
+                  </a:txBody>
+                  <a:tcPr/>
+                </a:tc>
+                <a:tc>
+                  <a:txBody>
+                    <a:bodyPr/>
+                    <a:lstStyle/>
+                    <a:p>
+                      <a:r>
+                        <a:rPr lang="en-IN" dirty="0"/>
+                        <a:t>Authors</a:t>
+                      </a:r>
+                    </a:p>
+                  </a:txBody>
+                  <a:tcPr/>
+                </a:tc>
+                <a:tc>
+                  <a:txBody>
+                    <a:bodyPr/>
+                    <a:lstStyle/>
+                    <a:p>
+                      <a:r>
+                        <a:rPr lang="en-IN" dirty="0"/>
+                        <a:t>Journal Name &amp; Year</a:t>
+                      </a:r>
+                    </a:p>
+                  </a:txBody>
+                  <a:tcPr/>
+                </a:tc>
+                <a:tc>
+                  <a:txBody>
+                    <a:bodyPr/>
+                    <a:lstStyle/>
+                    <a:p>
+                      <a:r>
+                        <a:rPr lang="en-IN" dirty="0"/>
+                        <a:t>Methodology  Adapted</a:t>
+                      </a:r>
+                    </a:p>
+                  </a:txBody>
+                  <a:tcPr/>
+                </a:tc>
+                <a:tc>
+                  <a:txBody>
+                    <a:bodyPr/>
+                    <a:lstStyle/>
+                    <a:p>
+                      <a:r>
+                        <a:rPr lang="en-IN" dirty="0"/>
+                        <a:t>Key Findings</a:t>
+                      </a:r>
+                    </a:p>
+                  </a:txBody>
+                  <a:tcPr/>
+                </a:tc>
+                <a:tc>
+                  <a:txBody>
+                    <a:bodyPr/>
+                    <a:lstStyle/>
+                    <a:p>
+                      <a:r>
+                        <a:rPr lang="en-IN" dirty="0"/>
+                        <a:t>Gaps</a:t>
+                      </a:r>
+                    </a:p>
+                  </a:txBody>
+                  <a:tcPr/>
+                </a:tc>
+                <a:extLst>
+                  <a:ext uri="{0D108BD9-81ED-4DB2-BD59-A6C34878D82A}">
+                    <a16:rowId xmlns:a16="http://schemas.microsoft.com/office/drawing/2014/main" val="1235630667"/>
+                  </a:ext>
+                </a:extLst>
+              </a:tr>
+              <a:tr h="1072562">
+                <a:tc>
+                  <a:txBody>
+                    <a:bodyPr/>
+                    <a:lstStyle/>
+                    <a:p>
+                      <a:r>
+                        <a:rPr lang="en-IN" dirty="0"/>
+                        <a:t>1.</a:t>
+                      </a:r>
+                    </a:p>
+                  </a:txBody>
+                  <a:tcPr/>
+                </a:tc>
+                <a:tc>
+                  <a:txBody>
+                    <a:bodyPr/>
+                    <a:lstStyle/>
+                    <a:p>
+                      <a:r>
+                        <a:rPr lang="en-IN" dirty="0"/>
+                        <a:t>A Pointing Gesture Based Egocentric Interaction System</a:t>
+                      </a:r>
+                    </a:p>
+                  </a:txBody>
+                  <a:tcPr/>
+                </a:tc>
+                <a:tc>
+                  <a:txBody>
+                    <a:bodyPr/>
+                    <a:lstStyle/>
+                    <a:p>
+                      <a:r>
+                        <a:rPr lang="en-IN" dirty="0"/>
+                        <a:t>Y. Huang, X. Liu, X. Zhang, and L. Jin</a:t>
+                      </a:r>
+                    </a:p>
+                  </a:txBody>
+                  <a:tcPr/>
+                </a:tc>
+                <a:tc>
+                  <a:txBody>
+                    <a:bodyPr/>
+                    <a:lstStyle/>
+                    <a:p>
+                      <a:r>
+                        <a:rPr lang="en-IN" dirty="0"/>
+                        <a:t>IEEE conference 2016</a:t>
+                      </a:r>
+                    </a:p>
+                  </a:txBody>
+                  <a:tcPr/>
+                </a:tc>
+                <a:tc>
+                  <a:txBody>
+                    <a:bodyPr/>
+                    <a:lstStyle/>
+                    <a:p>
+                      <a:r>
+                        <a:rPr lang="en-IN" dirty="0"/>
+                        <a:t>Computer Vision Techniques</a:t>
+                      </a:r>
+                    </a:p>
+                  </a:txBody>
+                  <a:tcPr/>
+                </a:tc>
+                <a:tc>
+                  <a:txBody>
+                    <a:bodyPr/>
+                    <a:lstStyle/>
+                    <a:p>
+                      <a:r>
+                        <a:rPr lang="en-IN" dirty="0"/>
+                        <a:t>Using CNN and external tools for identifying objects</a:t>
+                      </a:r>
+                    </a:p>
+                  </a:txBody>
+                  <a:tcPr/>
+                </a:tc>
+                <a:tc>
+                  <a:txBody>
+                    <a:bodyPr/>
+                    <a:lstStyle/>
+                    <a:p>
+                      <a:r>
+                        <a:rPr lang="en-IN" dirty="0" err="1"/>
+                        <a:t>Smartglasses</a:t>
+                      </a:r>
+                      <a:r>
+                        <a:rPr lang="en-IN" dirty="0"/>
+                        <a:t> used as a webcam</a:t>
+                      </a:r>
+                    </a:p>
+                  </a:txBody>
+                  <a:tcPr/>
+                </a:tc>
+                <a:extLst>
+                  <a:ext uri="{0D108BD9-81ED-4DB2-BD59-A6C34878D82A}">
+                    <a16:rowId xmlns:a16="http://schemas.microsoft.com/office/drawing/2014/main" val="2619406596"/>
+                  </a:ext>
+                </a:extLst>
+              </a:tr>
+              <a:tr h="1320077">
+                <a:tc>
+                  <a:txBody>
+                    <a:bodyPr/>
+                    <a:lstStyle/>
+                    <a:p>
+                      <a:r>
+                        <a:rPr lang="en-IN" dirty="0"/>
+                        <a:t>2.</a:t>
+                      </a:r>
+                    </a:p>
+                  </a:txBody>
+                  <a:tcPr/>
+                </a:tc>
+                <a:tc>
+                  <a:txBody>
+                    <a:bodyPr/>
+                    <a:lstStyle/>
+                    <a:p>
+                      <a:r>
+                        <a:rPr lang="en-IN" dirty="0"/>
+                        <a:t>Air canvas application using </a:t>
+                      </a:r>
+                      <a:r>
+                        <a:rPr lang="en-IN" dirty="0" err="1"/>
+                        <a:t>Opencv</a:t>
+                      </a:r>
+                      <a:r>
+                        <a:rPr lang="en-IN" dirty="0"/>
+                        <a:t> and </a:t>
+                      </a:r>
+                      <a:r>
+                        <a:rPr lang="en-IN" dirty="0" err="1"/>
+                        <a:t>numpy</a:t>
+                      </a:r>
+                      <a:endParaRPr lang="en-IN" dirty="0"/>
+                    </a:p>
+                  </a:txBody>
+                  <a:tcPr/>
+                </a:tc>
+                <a:tc>
+                  <a:txBody>
+                    <a:bodyPr/>
+                    <a:lstStyle/>
+                    <a:p>
+                      <a:r>
+                        <a:rPr lang="en-IN" dirty="0" err="1"/>
+                        <a:t>Saoji</a:t>
+                      </a:r>
+                      <a:r>
+                        <a:rPr lang="en-IN" dirty="0"/>
+                        <a:t>, S., Dua, N., Choudhary, A. K., &amp; </a:t>
+                      </a:r>
+                      <a:r>
+                        <a:rPr lang="en-IN" dirty="0" err="1"/>
+                        <a:t>Phogat</a:t>
+                      </a:r>
+                      <a:endParaRPr lang="en-IN" dirty="0"/>
+                    </a:p>
+                  </a:txBody>
+                  <a:tcPr/>
+                </a:tc>
+                <a:tc>
+                  <a:txBody>
+                    <a:bodyPr/>
+                    <a:lstStyle/>
+                    <a:p>
+                      <a:r>
+                        <a:rPr lang="en-IN" dirty="0"/>
+                        <a:t>IRJET,8(08), 2021</a:t>
+                      </a:r>
+                    </a:p>
+                  </a:txBody>
+                  <a:tcPr/>
+                </a:tc>
+                <a:tc>
+                  <a:txBody>
+                    <a:bodyPr/>
+                    <a:lstStyle/>
+                    <a:p>
+                      <a:r>
+                        <a:rPr lang="en-IN" dirty="0"/>
+                        <a:t>Computer Vision Techniques</a:t>
+                      </a:r>
+                    </a:p>
+                  </a:txBody>
+                  <a:tcPr/>
+                </a:tc>
+                <a:tc>
+                  <a:txBody>
+                    <a:bodyPr/>
+                    <a:lstStyle/>
+                    <a:p>
+                      <a:r>
+                        <a:rPr lang="en-IN" dirty="0"/>
+                        <a:t>Implementing OpenCV methods and </a:t>
+                      </a:r>
+                      <a:r>
+                        <a:rPr lang="en-IN" dirty="0" err="1"/>
+                        <a:t>mediapipe</a:t>
+                      </a:r>
+                      <a:r>
+                        <a:rPr lang="en-IN" dirty="0"/>
+                        <a:t> for hand detection</a:t>
+                      </a:r>
+                    </a:p>
+                  </a:txBody>
+                  <a:tcPr/>
+                </a:tc>
+                <a:tc>
+                  <a:txBody>
+                    <a:bodyPr/>
+                    <a:lstStyle/>
+                    <a:p>
+                      <a:r>
+                        <a:rPr lang="en-IN" dirty="0"/>
+                        <a:t>Line smoothness is compromised</a:t>
+                      </a:r>
+                    </a:p>
+                  </a:txBody>
+                  <a:tcPr/>
+                </a:tc>
+                <a:extLst>
+                  <a:ext uri="{0D108BD9-81ED-4DB2-BD59-A6C34878D82A}">
+                    <a16:rowId xmlns:a16="http://schemas.microsoft.com/office/drawing/2014/main" val="1222826501"/>
+                  </a:ext>
+                </a:extLst>
+              </a:tr>
+              <a:tr h="1567591">
+                <a:tc>
+                  <a:txBody>
+                    <a:bodyPr/>
+                    <a:lstStyle/>
+                    <a:p>
+                      <a:r>
+                        <a:rPr lang="en-IN" dirty="0"/>
+                        <a:t>3.</a:t>
+                      </a:r>
+                    </a:p>
+                  </a:txBody>
+                  <a:tcPr/>
+                </a:tc>
+                <a:tc>
+                  <a:txBody>
+                    <a:bodyPr/>
+                    <a:lstStyle/>
+                    <a:p>
+                      <a:r>
+                        <a:rPr lang="en-IN" dirty="0"/>
+                        <a:t>Colour Detection using OpenCV</a:t>
+                      </a:r>
+                    </a:p>
+                  </a:txBody>
+                  <a:tcPr/>
+                </a:tc>
+                <a:tc>
+                  <a:txBody>
+                    <a:bodyPr/>
+                    <a:lstStyle/>
+                    <a:p>
+                      <a:r>
+                        <a:rPr lang="en-IN" dirty="0"/>
+                        <a:t>Nikhil Pandey, </a:t>
+                      </a:r>
+                      <a:r>
+                        <a:rPr lang="en-IN" dirty="0" err="1"/>
+                        <a:t>Aayushi</a:t>
+                      </a:r>
+                      <a:r>
+                        <a:rPr lang="en-IN" dirty="0"/>
+                        <a:t> Saxena, </a:t>
+                      </a:r>
+                      <a:r>
+                        <a:rPr lang="en-IN" dirty="0" err="1"/>
+                        <a:t>Amanya</a:t>
+                      </a:r>
+                      <a:r>
+                        <a:rPr lang="en-IN" dirty="0"/>
+                        <a:t> Verma </a:t>
+                      </a:r>
+                    </a:p>
+                  </a:txBody>
+                  <a:tcPr/>
+                </a:tc>
+                <a:tc>
+                  <a:txBody>
+                    <a:bodyPr/>
+                    <a:lstStyle/>
+                    <a:p>
+                      <a:r>
+                        <a:rPr lang="en-IN" dirty="0"/>
+                        <a:t>IJNTR,7(05), 2021</a:t>
+                      </a:r>
+                    </a:p>
+                  </a:txBody>
+                  <a:tcPr/>
+                </a:tc>
+                <a:tc>
+                  <a:txBody>
+                    <a:bodyPr/>
+                    <a:lstStyle/>
+                    <a:p>
+                      <a:r>
+                        <a:rPr lang="en-IN" dirty="0"/>
+                        <a:t>Computer Vision Techniques</a:t>
+                      </a:r>
+                    </a:p>
+                  </a:txBody>
+                  <a:tcPr/>
+                </a:tc>
+                <a:tc>
+                  <a:txBody>
+                    <a:bodyPr/>
+                    <a:lstStyle/>
+                    <a:p>
+                      <a:pPr marL="0" marR="0" lvl="0" indent="0" algn="l" defTabSz="914400" rtl="0" eaLnBrk="1" fontAlgn="auto" latinLnBrk="0" hangingPunct="1">
+                        <a:lnSpc>
+                          <a:spcPct val="100000"/>
+                        </a:lnSpc>
+                        <a:spcBef>
+                          <a:spcPts val="0"/>
+                        </a:spcBef>
+                        <a:spcAft>
+                          <a:spcPts val="0"/>
+                        </a:spcAft>
+                        <a:buClrTx/>
+                        <a:buSzTx/>
+                        <a:buFontTx/>
+                        <a:buNone/>
+                        <a:tabLst/>
+                        <a:defRPr/>
+                      </a:pPr>
+                      <a:r>
+                        <a:rPr lang="en-IN" dirty="0"/>
+                        <a:t>Implementing OpenCV methods for colour detection</a:t>
+                      </a:r>
+                    </a:p>
+                  </a:txBody>
+                  <a:tcPr/>
+                </a:tc>
+                <a:tc>
+                  <a:txBody>
+                    <a:bodyPr/>
+                    <a:lstStyle/>
+                    <a:p>
+                      <a:r>
+                        <a:rPr lang="en-IN" dirty="0"/>
+                        <a:t>No gaps, Used for reference</a:t>
+                      </a:r>
+                    </a:p>
+                  </a:txBody>
+                  <a:tcPr/>
+                </a:tc>
+                <a:extLst>
+                  <a:ext uri="{0D108BD9-81ED-4DB2-BD59-A6C34878D82A}">
+                    <a16:rowId xmlns:a16="http://schemas.microsoft.com/office/drawing/2014/main" val="3298149054"/>
+                  </a:ext>
+                </a:extLst>
+              </a:tr>
+            </a:tbl>
+          </a:graphicData>
+        </a:graphic>
+      </p:graphicFrame>
+    </p:spTree>
+    <p:extLst>
+      <p:ext uri="{BB962C8B-B14F-4D97-AF65-F5344CB8AC3E}">
+        <p14:creationId xmlns:p14="http://schemas.microsoft.com/office/powerpoint/2010/main" val="2842266951"/>
+      </p:ext>
+    </p:extLst>
+  </p:cSld>
+  <p:clrMapOvr>
+    <a:masterClrMapping/>
+  </p:clrMapOvr>
+</p:sld>
+</file>
+
+<file path=ppt/slides/slide8.xml><?xml version="1.0" encoding="utf-8"?>
+<p:sld xmlns:a="http://schemas.openxmlformats.org/drawingml/2006/main" xmlns:r="http://schemas.openxmlformats.org/officeDocument/2006/relationships" xmlns:p="http://schemas.openxmlformats.org/presentationml/2006/main">
+  <p:cSld>
+    <p:spTree>
+      <p:nvGrpSpPr>
+        <p:cNvPr id="1" name="">
+          <a:extLst>
+            <a:ext uri="{FF2B5EF4-FFF2-40B4-BE49-F238E27FC236}">
+              <a16:creationId xmlns:a16="http://schemas.microsoft.com/office/drawing/2014/main" id="{5A895588-D8AE-2CE0-8855-C3D91768C5BA}"/>
+            </a:ext>
+          </a:extLst>
+        </p:cNvPr>
+        <p:cNvGrpSpPr/>
+        <p:nvPr/>
+      </p:nvGrpSpPr>
+      <p:grpSpPr>
+        <a:xfrm>
+          <a:off x="0" y="0"/>
+          <a:ext cx="0" cy="0"/>
+          <a:chOff x="0" y="0"/>
+          <a:chExt cx="0" cy="0"/>
+        </a:xfrm>
+      </p:grpSpPr>
+      <p:sp>
+        <p:nvSpPr>
+          <p:cNvPr id="2" name="Title 1">
+            <a:extLst>
+              <a:ext uri="{FF2B5EF4-FFF2-40B4-BE49-F238E27FC236}">
+                <a16:creationId xmlns:a16="http://schemas.microsoft.com/office/drawing/2014/main" id="{B625F3D9-0B15-64CB-FCAE-35FFC878597D}"/>
+              </a:ext>
+            </a:extLst>
+          </p:cNvPr>
+          <p:cNvSpPr>
+            <a:spLocks noGrp="1"/>
+          </p:cNvSpPr>
+          <p:nvPr>
+            <p:ph type="title"/>
+          </p:nvPr>
+        </p:nvSpPr>
+        <p:spPr/>
+        <p:txBody>
+          <a:bodyPr/>
+          <a:lstStyle/>
+          <a:p>
+            <a:r>
+              <a:rPr lang="en-US" dirty="0"/>
+              <a:t>Literature Survey</a:t>
+            </a:r>
+            <a:endParaRPr lang="en-IN" dirty="0"/>
+          </a:p>
+        </p:txBody>
+      </p:sp>
+      <p:graphicFrame>
+        <p:nvGraphicFramePr>
+          <p:cNvPr id="3" name="Content Placeholder 2">
+            <a:extLst>
+              <a:ext uri="{FF2B5EF4-FFF2-40B4-BE49-F238E27FC236}">
+                <a16:creationId xmlns:a16="http://schemas.microsoft.com/office/drawing/2014/main" id="{00EDF50B-4B5A-05D4-A648-C239DD8472FA}"/>
+              </a:ext>
+            </a:extLst>
+          </p:cNvPr>
+          <p:cNvGraphicFramePr>
+            <a:graphicFrameLocks noGrp="1"/>
+          </p:cNvGraphicFramePr>
+          <p:nvPr>
+            <p:ph idx="1"/>
+            <p:extLst>
+              <p:ext uri="{D42A27DB-BD31-4B8C-83A1-F6EECF244321}">
+                <p14:modId xmlns:p14="http://schemas.microsoft.com/office/powerpoint/2010/main" val="1282715695"/>
+              </p:ext>
+            </p:extLst>
+          </p:nvPr>
+        </p:nvGraphicFramePr>
+        <p:xfrm>
+          <a:off x="0" y="1096963"/>
+          <a:ext cx="12191998" cy="4389120"/>
+        </p:xfrm>
+        <a:graphic>
+          <a:graphicData uri="http://schemas.openxmlformats.org/drawingml/2006/table">
+            <a:tbl>
+              <a:tblPr firstRow="1" bandRow="1">
+                <a:tableStyleId>{5C22544A-7EE6-4342-B048-85BDC9FD1C3A}</a:tableStyleId>
+              </a:tblPr>
+              <a:tblGrid>
+                <a:gridCol w="490343">
+                  <a:extLst>
+                    <a:ext uri="{9D8B030D-6E8A-4147-A177-3AD203B41FA5}">
+                      <a16:colId xmlns:a16="http://schemas.microsoft.com/office/drawing/2014/main" val="1320115399"/>
+                    </a:ext>
+                  </a:extLst>
+                </a:gridCol>
+                <a:gridCol w="2058924">
+                  <a:extLst>
+                    <a:ext uri="{9D8B030D-6E8A-4147-A177-3AD203B41FA5}">
+                      <a16:colId xmlns:a16="http://schemas.microsoft.com/office/drawing/2014/main" val="1175414981"/>
+                    </a:ext>
+                  </a:extLst>
+                </a:gridCol>
+                <a:gridCol w="1397091">
+                  <a:extLst>
+                    <a:ext uri="{9D8B030D-6E8A-4147-A177-3AD203B41FA5}">
+                      <a16:colId xmlns:a16="http://schemas.microsoft.com/office/drawing/2014/main" val="1847812217"/>
+                    </a:ext>
+                  </a:extLst>
+                </a:gridCol>
+                <a:gridCol w="2521506">
+                  <a:extLst>
+                    <a:ext uri="{9D8B030D-6E8A-4147-A177-3AD203B41FA5}">
+                      <a16:colId xmlns:a16="http://schemas.microsoft.com/office/drawing/2014/main" val="1736421171"/>
+                    </a:ext>
+                  </a:extLst>
+                </a:gridCol>
+                <a:gridCol w="1938199">
+                  <a:extLst>
+                    <a:ext uri="{9D8B030D-6E8A-4147-A177-3AD203B41FA5}">
+                      <a16:colId xmlns:a16="http://schemas.microsoft.com/office/drawing/2014/main" val="662826426"/>
+                    </a:ext>
+                  </a:extLst>
+                </a:gridCol>
+                <a:gridCol w="2117558">
+                  <a:extLst>
+                    <a:ext uri="{9D8B030D-6E8A-4147-A177-3AD203B41FA5}">
+                      <a16:colId xmlns:a16="http://schemas.microsoft.com/office/drawing/2014/main" val="2870518135"/>
+                    </a:ext>
+                  </a:extLst>
+                </a:gridCol>
+                <a:gridCol w="1668377">
+                  <a:extLst>
+                    <a:ext uri="{9D8B030D-6E8A-4147-A177-3AD203B41FA5}">
+                      <a16:colId xmlns:a16="http://schemas.microsoft.com/office/drawing/2014/main" val="4341266"/>
+                    </a:ext>
+                  </a:extLst>
+                </a:gridCol>
+              </a:tblGrid>
+              <a:tr h="577534">
+                <a:tc>
+                  <a:txBody>
+                    <a:bodyPr/>
+                    <a:lstStyle/>
+                    <a:p>
+                      <a:r>
+                        <a:rPr lang="en-IN" dirty="0"/>
+                        <a:t>No</a:t>
+                      </a:r>
+                    </a:p>
+                  </a:txBody>
+                  <a:tcPr/>
+                </a:tc>
+                <a:tc>
+                  <a:txBody>
+                    <a:bodyPr/>
+                    <a:lstStyle/>
+                    <a:p>
+                      <a:r>
+                        <a:rPr lang="en-IN" dirty="0"/>
+                        <a:t>Title</a:t>
+                      </a:r>
+                    </a:p>
+                  </a:txBody>
+                  <a:tcPr/>
+                </a:tc>
+                <a:tc>
+                  <a:txBody>
+                    <a:bodyPr/>
+                    <a:lstStyle/>
+                    <a:p>
+                      <a:r>
+                        <a:rPr lang="en-IN" dirty="0"/>
+                        <a:t>Authors</a:t>
+                      </a:r>
+                    </a:p>
+                  </a:txBody>
+                  <a:tcPr/>
+                </a:tc>
+                <a:tc>
+                  <a:txBody>
+                    <a:bodyPr/>
+                    <a:lstStyle/>
+                    <a:p>
+                      <a:r>
+                        <a:rPr lang="en-IN" dirty="0"/>
+                        <a:t>Journal Name &amp; Year</a:t>
+                      </a:r>
+                    </a:p>
+                  </a:txBody>
+                  <a:tcPr/>
+                </a:tc>
+                <a:tc>
+                  <a:txBody>
+                    <a:bodyPr/>
+                    <a:lstStyle/>
+                    <a:p>
+                      <a:r>
+                        <a:rPr lang="en-IN" dirty="0"/>
+                        <a:t>Methodology  Adapted</a:t>
+                      </a:r>
+                    </a:p>
+                  </a:txBody>
+                  <a:tcPr/>
+                </a:tc>
+                <a:tc>
+                  <a:txBody>
+                    <a:bodyPr/>
+                    <a:lstStyle/>
+                    <a:p>
+                      <a:r>
+                        <a:rPr lang="en-IN" dirty="0"/>
+                        <a:t>Key Findings</a:t>
+                      </a:r>
+                    </a:p>
+                  </a:txBody>
+                  <a:tcPr/>
+                </a:tc>
+                <a:tc>
+                  <a:txBody>
+                    <a:bodyPr/>
+                    <a:lstStyle/>
+                    <a:p>
+                      <a:r>
+                        <a:rPr lang="en-IN" dirty="0"/>
+                        <a:t>Gaps</a:t>
+                      </a:r>
+                    </a:p>
+                  </a:txBody>
+                  <a:tcPr/>
+                </a:tc>
+                <a:extLst>
+                  <a:ext uri="{0D108BD9-81ED-4DB2-BD59-A6C34878D82A}">
+                    <a16:rowId xmlns:a16="http://schemas.microsoft.com/office/drawing/2014/main" val="1235630667"/>
+                  </a:ext>
+                </a:extLst>
+              </a:tr>
+              <a:tr h="1072562">
+                <a:tc>
+                  <a:txBody>
+                    <a:bodyPr/>
+                    <a:lstStyle/>
+                    <a:p>
+                      <a:r>
+                        <a:rPr lang="en-IN" dirty="0"/>
+                        <a:t>4.</a:t>
+                      </a:r>
+                    </a:p>
+                  </a:txBody>
+                  <a:tcPr/>
+                </a:tc>
+                <a:tc>
+                  <a:txBody>
+                    <a:bodyPr/>
+                    <a:lstStyle/>
+                    <a:p>
+                      <a:r>
+                        <a:rPr lang="en-IN" dirty="0"/>
+                        <a:t>Air Scripting using OpenCV</a:t>
+                      </a:r>
+                    </a:p>
+                  </a:txBody>
+                  <a:tcPr/>
+                </a:tc>
+                <a:tc>
+                  <a:txBody>
+                    <a:bodyPr/>
+                    <a:lstStyle/>
+                    <a:p>
+                      <a:r>
+                        <a:rPr lang="en-IN" dirty="0" err="1"/>
+                        <a:t>Guluru</a:t>
+                      </a:r>
+                      <a:r>
+                        <a:rPr lang="en-IN" dirty="0"/>
+                        <a:t> Manoj Reddy, R Murali Dhar, Naveen Kumar, E </a:t>
+                      </a:r>
+                      <a:r>
+                        <a:rPr lang="en-IN" dirty="0" err="1"/>
+                        <a:t>Sathiyanarayanan</a:t>
+                      </a:r>
+                      <a:endParaRPr lang="en-IN" dirty="0"/>
+                    </a:p>
+                  </a:txBody>
+                  <a:tcPr/>
+                </a:tc>
+                <a:tc>
+                  <a:txBody>
+                    <a:bodyPr/>
+                    <a:lstStyle/>
+                    <a:p>
+                      <a:r>
+                        <a:rPr lang="en-IN" dirty="0"/>
+                        <a:t>IJCRT,10(06), 2022</a:t>
+                      </a:r>
+                    </a:p>
+                  </a:txBody>
+                  <a:tcPr/>
+                </a:tc>
+                <a:tc>
+                  <a:txBody>
+                    <a:bodyPr/>
+                    <a:lstStyle/>
+                    <a:p>
+                      <a:r>
+                        <a:rPr lang="en-IN" dirty="0"/>
+                        <a:t>Computer Vision Techniques</a:t>
+                      </a:r>
+                    </a:p>
+                  </a:txBody>
+                  <a:tcPr/>
+                </a:tc>
+                <a:tc>
+                  <a:txBody>
+                    <a:bodyPr/>
+                    <a:lstStyle/>
+                    <a:p>
+                      <a:pPr marL="0" marR="0" lvl="0" indent="0" algn="l" defTabSz="914400" rtl="0" eaLnBrk="1" fontAlgn="auto" latinLnBrk="0" hangingPunct="1">
+                        <a:lnSpc>
+                          <a:spcPct val="100000"/>
+                        </a:lnSpc>
+                        <a:spcBef>
+                          <a:spcPts val="0"/>
+                        </a:spcBef>
+                        <a:spcAft>
+                          <a:spcPts val="0"/>
+                        </a:spcAft>
+                        <a:buClrTx/>
+                        <a:buSzTx/>
+                        <a:buFontTx/>
+                        <a:buNone/>
+                        <a:tabLst/>
+                        <a:defRPr/>
+                      </a:pPr>
+                      <a:r>
+                        <a:rPr lang="en-IN" dirty="0"/>
+                        <a:t>Implementing OpenCV methods and </a:t>
+                      </a:r>
+                      <a:r>
+                        <a:rPr lang="en-IN" dirty="0" err="1"/>
+                        <a:t>mediapipe</a:t>
+                      </a:r>
+                      <a:r>
+                        <a:rPr lang="en-IN" dirty="0"/>
+                        <a:t> for hand detection</a:t>
+                      </a:r>
+                    </a:p>
+                    <a:p>
+                      <a:endParaRPr lang="en-IN" dirty="0"/>
+                    </a:p>
+                  </a:txBody>
+                  <a:tcPr/>
+                </a:tc>
+                <a:tc>
+                  <a:txBody>
+                    <a:bodyPr/>
+                    <a:lstStyle/>
+                    <a:p>
+                      <a:r>
+                        <a:rPr lang="en-US" dirty="0"/>
+                        <a:t>lack of enough gestures and</a:t>
+                      </a:r>
+                    </a:p>
+                    <a:p>
+                      <a:r>
+                        <a:rPr lang="en-US" dirty="0"/>
+                        <a:t>the UI is really simple</a:t>
+                      </a:r>
+                      <a:endParaRPr lang="en-IN" dirty="0"/>
+                    </a:p>
+                  </a:txBody>
+                  <a:tcPr/>
+                </a:tc>
+                <a:extLst>
+                  <a:ext uri="{0D108BD9-81ED-4DB2-BD59-A6C34878D82A}">
+                    <a16:rowId xmlns:a16="http://schemas.microsoft.com/office/drawing/2014/main" val="2619406596"/>
+                  </a:ext>
+                </a:extLst>
+              </a:tr>
+              <a:tr h="1320077">
+                <a:tc>
+                  <a:txBody>
+                    <a:bodyPr/>
+                    <a:lstStyle/>
+                    <a:p>
+                      <a:r>
+                        <a:rPr lang="en-IN" dirty="0"/>
+                        <a:t>5.</a:t>
+                      </a:r>
+                    </a:p>
+                  </a:txBody>
+                  <a:tcPr/>
+                </a:tc>
+                <a:tc>
+                  <a:txBody>
+                    <a:bodyPr/>
+                    <a:lstStyle/>
+                    <a:p>
+                      <a:r>
+                        <a:rPr lang="en-IN" dirty="0"/>
+                        <a:t>Air canvas application using OpenCV and </a:t>
+                      </a:r>
+                      <a:r>
+                        <a:rPr lang="en-IN" dirty="0" err="1"/>
+                        <a:t>numpy</a:t>
+                      </a:r>
+                      <a:endParaRPr lang="en-IN" dirty="0"/>
+                    </a:p>
+                  </a:txBody>
+                  <a:tcPr/>
+                </a:tc>
+                <a:tc>
+                  <a:txBody>
+                    <a:bodyPr/>
+                    <a:lstStyle/>
+                    <a:p>
+                      <a:r>
+                        <a:rPr lang="en-IN" dirty="0" err="1"/>
+                        <a:t>Saoji</a:t>
+                      </a:r>
+                      <a:r>
+                        <a:rPr lang="en-IN" dirty="0"/>
+                        <a:t>, S., Dua, N., Choudhary, A. K., &amp; </a:t>
+                      </a:r>
+                      <a:r>
+                        <a:rPr lang="en-IN" dirty="0" err="1"/>
+                        <a:t>Phogat</a:t>
+                      </a:r>
+                      <a:endParaRPr lang="en-IN" dirty="0"/>
+                    </a:p>
+                  </a:txBody>
+                  <a:tcPr/>
+                </a:tc>
+                <a:tc>
+                  <a:txBody>
+                    <a:bodyPr/>
+                    <a:lstStyle/>
+                    <a:p>
+                      <a:r>
+                        <a:rPr lang="en-US" dirty="0"/>
+                        <a:t>IJFIAHM,(3), 2024</a:t>
+                      </a:r>
+                      <a:endParaRPr lang="en-IN" dirty="0"/>
+                    </a:p>
+                  </a:txBody>
+                  <a:tcPr/>
+                </a:tc>
+                <a:tc>
+                  <a:txBody>
+                    <a:bodyPr/>
+                    <a:lstStyle/>
+                    <a:p>
+                      <a:r>
+                        <a:rPr lang="en-IN" dirty="0"/>
+                        <a:t>Computer Vision Techniques</a:t>
+                      </a:r>
+                    </a:p>
+                  </a:txBody>
+                  <a:tcPr/>
+                </a:tc>
+                <a:tc>
+                  <a:txBody>
+                    <a:bodyPr/>
+                    <a:lstStyle/>
+                    <a:p>
+                      <a:r>
+                        <a:rPr lang="en-IN" dirty="0"/>
+                        <a:t>Implementing OpenCV methods and </a:t>
+                      </a:r>
+                      <a:r>
+                        <a:rPr lang="en-IN" dirty="0" err="1"/>
+                        <a:t>mediapipe</a:t>
+                      </a:r>
+                      <a:r>
+                        <a:rPr lang="en-IN" dirty="0"/>
+                        <a:t> for hand detection</a:t>
+                      </a:r>
+                    </a:p>
+                  </a:txBody>
+                  <a:tcPr/>
+                </a:tc>
+                <a:tc>
+                  <a:txBody>
+                    <a:bodyPr/>
+                    <a:lstStyle/>
+                    <a:p>
+                      <a:r>
+                        <a:rPr lang="en-US" dirty="0"/>
+                        <a:t>poor object detection when multiple objects are present</a:t>
+                      </a:r>
+                      <a:endParaRPr lang="en-IN" dirty="0"/>
+                    </a:p>
+                  </a:txBody>
+                  <a:tcPr/>
+                </a:tc>
+                <a:extLst>
+                  <a:ext uri="{0D108BD9-81ED-4DB2-BD59-A6C34878D82A}">
+                    <a16:rowId xmlns:a16="http://schemas.microsoft.com/office/drawing/2014/main" val="1222826501"/>
+                  </a:ext>
+                </a:extLst>
+              </a:tr>
+            </a:tbl>
+          </a:graphicData>
+        </a:graphic>
+      </p:graphicFrame>
+    </p:spTree>
+    <p:extLst>
+      <p:ext uri="{BB962C8B-B14F-4D97-AF65-F5344CB8AC3E}">
+        <p14:creationId xmlns:p14="http://schemas.microsoft.com/office/powerpoint/2010/main" val="3777012919"/>
+      </p:ext>
+    </p:extLst>
+  </p:cSld>
+  <p:clrMapOvr>
+    <a:masterClrMapping/>
+  </p:clrMapOvr>
+</p:sld>
+</file>
+
+<file path=ppt/slides/slide9.xml><?xml version="1.0" encoding="utf-8"?>
 <p:sld xmlns:a="http://schemas.openxmlformats.org/drawingml/2006/main" xmlns:r="http://schemas.openxmlformats.org/officeDocument/2006/relationships" xmlns:p="http://schemas.openxmlformats.org/presentationml/2006/main">
   <p:cSld>
     <p:spTree>
@@ -5197,31 +7873,13 @@
           </a:bodyPr>
           <a:lstStyle/>
           <a:p>
-            <a:pPr marL="0" indent="0">
-              <a:buNone/>
-            </a:pPr>
-            <a:r>
-              <a:rPr lang="en-US" b="1" dirty="0"/>
-              <a:t>Touch Screen Devices</a:t>
-            </a:r>
-          </a:p>
-          <a:p>
             <a:pPr>
               <a:buFont typeface="Arial" panose="020B0604020202020204" pitchFamily="34" charset="0"/>
               <a:buChar char="•"/>
             </a:pPr>
             <a:r>
               <a:rPr lang="en-US" dirty="0"/>
-              <a:t>Requires direct contact with the screen, which can be restrictive and uncomfortable for long periods.</a:t>
-            </a:r>
-          </a:p>
-          <a:p>
-            <a:pPr marL="0" indent="0">
-              <a:buNone/>
-            </a:pPr>
-            <a:r>
-              <a:rPr lang="en-US" b="1" dirty="0"/>
-              <a:t>Graphics Tablets</a:t>
+              <a:t>Smartphones direct contact with the screen, which can be restrictive and uncomfortable for long periods.</a:t>
             </a:r>
           </a:p>
           <a:p>
@@ -5231,8 +7889,9 @@
             </a:pPr>
             <a:r>
               <a:rPr lang="en-US" dirty="0"/>
-              <a:t>Limits mobility and flexibility.</a:t>
-            </a:r>
+              <a:t>Graphic tablets need a larger workspace, making it less convenient for quick sketches or notes.</a:t>
+            </a:r>
+            <a:endParaRPr lang="en-US" b="1" dirty="0"/>
           </a:p>
           <a:p>
             <a:pPr>
@@ -5241,7 +7900,7 @@
             </a:pPr>
             <a:r>
               <a:rPr lang="en-US" dirty="0"/>
-              <a:t>Needs a larger workspace, making it less convenient for quick sketches or notes.</a:t>
+              <a:t>Interaction is typically via a mouse, stylus, or touch rather than natural gestures.</a:t>
             </a:r>
           </a:p>
           <a:p>
@@ -5251,16 +7910,7 @@
             </a:pPr>
             <a:r>
               <a:rPr lang="en-US" dirty="0"/>
-              <a:t>High-quality models can be costly.</a:t>
-            </a:r>
-          </a:p>
-          <a:p>
-            <a:pPr marL="0" indent="0">
-              <a:buNone/>
-            </a:pPr>
-            <a:r>
-              <a:rPr lang="en-US" b="1" dirty="0"/>
-              <a:t>Virtual Whiteboards</a:t>
+              <a:t>There are gesture-based studies available but they fail to integrate fingertips for tracking and depend on an external tool.</a:t>
             </a:r>
           </a:p>
           <a:p>
@@ -5270,8 +7920,31 @@
             </a:pPr>
             <a:r>
               <a:rPr lang="en-US" dirty="0"/>
-              <a:t>Interaction is typically via a mouse, stylus, or touch rather than natural gestures.</a:t>
-            </a:r>
+              <a:t>They also depend on the external hardware like kinetic sensors, LED light for identifying the tip.</a:t>
+            </a:r>
+          </a:p>
+          <a:p>
+            <a:pPr>
+              <a:buFont typeface="Arial" panose="020B0604020202020204" pitchFamily="34" charset="0"/>
+              <a:buChar char="•"/>
+            </a:pPr>
+            <a:r>
+              <a:rPr lang="en-US" dirty="0"/>
+              <a:t>The smoothness in lines and lack of enough gestures can be better.</a:t>
+            </a:r>
+          </a:p>
+          <a:p>
+            <a:pPr>
+              <a:buFont typeface="Arial" panose="020B0604020202020204" pitchFamily="34" charset="0"/>
+              <a:buChar char="•"/>
+            </a:pPr>
+            <a:endParaRPr lang="en-US" dirty="0"/>
+          </a:p>
+          <a:p>
+            <a:pPr>
+              <a:buFont typeface="Arial" panose="020B0604020202020204" pitchFamily="34" charset="0"/>
+              <a:buChar char="•"/>
+            </a:pPr>
             <a:endParaRPr lang="en-US" b="1" dirty="0"/>
           </a:p>
           <a:p>
@@ -5287,698 +7960,6 @@
     <p:extLst>
       <p:ext uri="{BB962C8B-B14F-4D97-AF65-F5344CB8AC3E}">
         <p14:creationId xmlns:p14="http://schemas.microsoft.com/office/powerpoint/2010/main" val="1840542893"/>
-      </p:ext>
-    </p:extLst>
-  </p:cSld>
-  <p:clrMapOvr>
-    <a:masterClrMapping/>
-  </p:clrMapOvr>
-</p:sld>
-</file>
-
-<file path=ppt/slides/slide7.xml><?xml version="1.0" encoding="utf-8"?>
-<p:sld xmlns:a="http://schemas.openxmlformats.org/drawingml/2006/main" xmlns:r="http://schemas.openxmlformats.org/officeDocument/2006/relationships" xmlns:p="http://schemas.openxmlformats.org/presentationml/2006/main">
-  <p:cSld>
-    <p:spTree>
-      <p:nvGrpSpPr>
-        <p:cNvPr id="1" name=""/>
-        <p:cNvGrpSpPr/>
-        <p:nvPr/>
-      </p:nvGrpSpPr>
-      <p:grpSpPr>
-        <a:xfrm>
-          <a:off x="0" y="0"/>
-          <a:ext cx="0" cy="0"/>
-          <a:chOff x="0" y="0"/>
-          <a:chExt cx="0" cy="0"/>
-        </a:xfrm>
-      </p:grpSpPr>
-      <p:sp>
-        <p:nvSpPr>
-          <p:cNvPr id="2" name="Title 1"/>
-          <p:cNvSpPr>
-            <a:spLocks noGrp="1"/>
-          </p:cNvSpPr>
-          <p:nvPr>
-            <p:ph type="title"/>
-          </p:nvPr>
-        </p:nvSpPr>
-        <p:spPr/>
-        <p:txBody>
-          <a:bodyPr/>
-          <a:lstStyle/>
-          <a:p>
-            <a:r>
-              <a:rPr lang="en-US" dirty="0"/>
-              <a:t>Proposed System</a:t>
-            </a:r>
-            <a:endParaRPr lang="en-IN" dirty="0"/>
-          </a:p>
-        </p:txBody>
-      </p:sp>
-      <p:sp>
-        <p:nvSpPr>
-          <p:cNvPr id="7" name="Content Placeholder 2"/>
-          <p:cNvSpPr>
-            <a:spLocks noGrp="1"/>
-          </p:cNvSpPr>
-          <p:nvPr>
-            <p:ph idx="1"/>
-          </p:nvPr>
-        </p:nvSpPr>
-        <p:spPr>
-          <a:xfrm>
-            <a:off x="199505" y="1097279"/>
-            <a:ext cx="11779135" cy="5394960"/>
-          </a:xfrm>
-        </p:spPr>
-        <p:txBody>
-          <a:bodyPr>
-            <a:normAutofit/>
-          </a:bodyPr>
-          <a:lstStyle/>
-          <a:p>
-            <a:pPr>
-              <a:buFont typeface="Arial" panose="020B0604020202020204" pitchFamily="34" charset="0"/>
-              <a:buChar char="•"/>
-            </a:pPr>
-            <a:r>
-              <a:rPr lang="en-US" b="1" dirty="0"/>
-              <a:t>Single index finger gesture</a:t>
-            </a:r>
-            <a:r>
-              <a:rPr lang="en-US" dirty="0"/>
-              <a:t> to draw, select colors, and clear the canvas.</a:t>
-            </a:r>
-          </a:p>
-          <a:p>
-            <a:pPr>
-              <a:buFont typeface="Arial" panose="020B0604020202020204" pitchFamily="34" charset="0"/>
-              <a:buChar char="•"/>
-            </a:pPr>
-            <a:r>
-              <a:rPr lang="en-US" b="1" dirty="0"/>
-              <a:t>Works with just a webcam</a:t>
-            </a:r>
-            <a:r>
-              <a:rPr lang="en-US" dirty="0"/>
-              <a:t>, no specialized sensors or touchscreens needed.</a:t>
-            </a:r>
-          </a:p>
-          <a:p>
-            <a:pPr>
-              <a:buFont typeface="Arial" panose="020B0604020202020204" pitchFamily="34" charset="0"/>
-              <a:buChar char="•"/>
-            </a:pPr>
-            <a:r>
-              <a:rPr lang="en-US" b="1" dirty="0"/>
-              <a:t>Real-time feedback</a:t>
-            </a:r>
-            <a:r>
-              <a:rPr lang="en-US" dirty="0"/>
-              <a:t> for seamless interaction.</a:t>
-            </a:r>
-          </a:p>
-          <a:p>
-            <a:pPr>
-              <a:buFont typeface="Arial" panose="020B0604020202020204" pitchFamily="34" charset="0"/>
-              <a:buChar char="•"/>
-            </a:pPr>
-            <a:r>
-              <a:rPr lang="en-US" b="1" dirty="0"/>
-              <a:t>Easy to use</a:t>
-            </a:r>
-            <a:r>
-              <a:rPr lang="en-US" dirty="0"/>
-              <a:t> with minimal learning curve, ideal for both casual and professional users.</a:t>
-            </a:r>
-          </a:p>
-          <a:p>
-            <a:pPr>
-              <a:buFont typeface="Arial" panose="020B0604020202020204" pitchFamily="34" charset="0"/>
-              <a:buChar char="•"/>
-            </a:pPr>
-            <a:r>
-              <a:rPr lang="en-US" dirty="0"/>
-              <a:t>Built using </a:t>
-            </a:r>
-            <a:r>
-              <a:rPr lang="en-US" b="1" dirty="0"/>
-              <a:t>OpenCV</a:t>
-            </a:r>
-            <a:r>
-              <a:rPr lang="en-US" dirty="0"/>
-              <a:t> for gesture recognition and </a:t>
-            </a:r>
-            <a:r>
-              <a:rPr lang="en-US" b="1" dirty="0"/>
-              <a:t>Python</a:t>
-            </a:r>
-            <a:r>
-              <a:rPr lang="en-US" dirty="0"/>
-              <a:t> for program logic.</a:t>
-            </a:r>
-          </a:p>
-          <a:p>
-            <a:pPr>
-              <a:buFont typeface="Arial" panose="020B0604020202020204" pitchFamily="34" charset="0"/>
-              <a:buChar char="•"/>
-            </a:pPr>
-            <a:endParaRPr lang="en-US" dirty="0"/>
-          </a:p>
-        </p:txBody>
-      </p:sp>
-    </p:spTree>
-  </p:cSld>
-  <p:clrMapOvr>
-    <a:masterClrMapping/>
-  </p:clrMapOvr>
-</p:sld>
-</file>
-
-<file path=ppt/slides/slide8.xml><?xml version="1.0" encoding="utf-8"?>
-<p:sld xmlns:a="http://schemas.openxmlformats.org/drawingml/2006/main" xmlns:r="http://schemas.openxmlformats.org/officeDocument/2006/relationships" xmlns:p="http://schemas.openxmlformats.org/presentationml/2006/main">
-  <p:cSld>
-    <p:spTree>
-      <p:nvGrpSpPr>
-        <p:cNvPr id="1" name="">
-          <a:extLst>
-            <a:ext uri="{FF2B5EF4-FFF2-40B4-BE49-F238E27FC236}">
-              <a16:creationId xmlns:a16="http://schemas.microsoft.com/office/drawing/2014/main" id="{DE100A92-9D77-5902-CDAB-52215E7D16D1}"/>
-            </a:ext>
-          </a:extLst>
-        </p:cNvPr>
-        <p:cNvGrpSpPr/>
-        <p:nvPr/>
-      </p:nvGrpSpPr>
-      <p:grpSpPr>
-        <a:xfrm>
-          <a:off x="0" y="0"/>
-          <a:ext cx="0" cy="0"/>
-          <a:chOff x="0" y="0"/>
-          <a:chExt cx="0" cy="0"/>
-        </a:xfrm>
-      </p:grpSpPr>
-      <p:sp>
-        <p:nvSpPr>
-          <p:cNvPr id="2" name="Title 1">
-            <a:extLst>
-              <a:ext uri="{FF2B5EF4-FFF2-40B4-BE49-F238E27FC236}">
-                <a16:creationId xmlns:a16="http://schemas.microsoft.com/office/drawing/2014/main" id="{A7242439-9579-8D32-E1A1-AC61B95BB1C8}"/>
-              </a:ext>
-            </a:extLst>
-          </p:cNvPr>
-          <p:cNvSpPr>
-            <a:spLocks noGrp="1"/>
-          </p:cNvSpPr>
-          <p:nvPr>
-            <p:ph type="title"/>
-          </p:nvPr>
-        </p:nvSpPr>
-        <p:spPr/>
-        <p:txBody>
-          <a:bodyPr/>
-          <a:lstStyle/>
-          <a:p>
-            <a:r>
-              <a:rPr lang="en-US" dirty="0"/>
-              <a:t>System Requirements</a:t>
-            </a:r>
-            <a:endParaRPr lang="en-IN" dirty="0"/>
-          </a:p>
-        </p:txBody>
-      </p:sp>
-      <p:sp>
-        <p:nvSpPr>
-          <p:cNvPr id="7" name="Content Placeholder 2">
-            <a:extLst>
-              <a:ext uri="{FF2B5EF4-FFF2-40B4-BE49-F238E27FC236}">
-                <a16:creationId xmlns:a16="http://schemas.microsoft.com/office/drawing/2014/main" id="{7CE133AD-A167-5AAE-B194-E9A75CFC0B42}"/>
-              </a:ext>
-            </a:extLst>
-          </p:cNvPr>
-          <p:cNvSpPr>
-            <a:spLocks noGrp="1"/>
-          </p:cNvSpPr>
-          <p:nvPr>
-            <p:ph idx="1"/>
-          </p:nvPr>
-        </p:nvSpPr>
-        <p:spPr>
-          <a:xfrm>
-            <a:off x="199505" y="1097279"/>
-            <a:ext cx="11779135" cy="5394960"/>
-          </a:xfrm>
-        </p:spPr>
-        <p:txBody>
-          <a:bodyPr>
-            <a:normAutofit/>
-          </a:bodyPr>
-          <a:lstStyle/>
-          <a:p>
-            <a:pPr marL="0" indent="0">
-              <a:buNone/>
-            </a:pPr>
-            <a:r>
-              <a:rPr lang="en-US" sz="2000" b="1" dirty="0"/>
-              <a:t>Hardware Requirements:</a:t>
-            </a:r>
-          </a:p>
-          <a:p>
-            <a:pPr>
-              <a:buFont typeface="Arial" panose="020B0604020202020204" pitchFamily="34" charset="0"/>
-              <a:buChar char="•"/>
-            </a:pPr>
-            <a:r>
-              <a:rPr lang="en-IN" sz="2000" b="1" dirty="0"/>
-              <a:t>Processor</a:t>
-            </a:r>
-            <a:r>
-              <a:rPr lang="en-IN" sz="2000" dirty="0"/>
-              <a:t>: Dual-core CPU (e.g., Intel Core i3 or equivalent) minimum; Quad-core (e.g., Intel Core i5) recommended.</a:t>
-            </a:r>
-          </a:p>
-          <a:p>
-            <a:pPr>
-              <a:buFont typeface="Arial" panose="020B0604020202020204" pitchFamily="34" charset="0"/>
-              <a:buChar char="•"/>
-            </a:pPr>
-            <a:r>
-              <a:rPr lang="en-US" sz="2000" b="1" dirty="0"/>
-              <a:t>RAM</a:t>
-            </a:r>
-            <a:r>
-              <a:rPr lang="en-US" sz="2000" dirty="0"/>
-              <a:t>: 4 GB minimum; 8 GB or more recommended.</a:t>
-            </a:r>
-          </a:p>
-          <a:p>
-            <a:pPr>
-              <a:buFont typeface="Arial" panose="020B0604020202020204" pitchFamily="34" charset="0"/>
-              <a:buChar char="•"/>
-            </a:pPr>
-            <a:r>
-              <a:rPr lang="en-US" sz="2000" b="1" dirty="0"/>
-              <a:t>Webcam</a:t>
-            </a:r>
-            <a:r>
-              <a:rPr lang="en-US" sz="2000" dirty="0"/>
-              <a:t>: 720p minimum resolution; 1080p recommended for better accuracy.</a:t>
-            </a:r>
-          </a:p>
-          <a:p>
-            <a:pPr>
-              <a:buFont typeface="Arial" panose="020B0604020202020204" pitchFamily="34" charset="0"/>
-              <a:buChar char="•"/>
-            </a:pPr>
-            <a:r>
-              <a:rPr lang="en-US" sz="2000" b="1" dirty="0"/>
-              <a:t>Graphics</a:t>
-            </a:r>
-            <a:r>
-              <a:rPr lang="en-US" sz="2000" dirty="0"/>
-              <a:t>: Integrated GPU minimum; Dedicated GPU (e.g., NVIDIA GTX 1050 or better) recommended for future enhancements.</a:t>
-            </a:r>
-          </a:p>
-          <a:p>
-            <a:pPr>
-              <a:buFont typeface="Arial" panose="020B0604020202020204" pitchFamily="34" charset="0"/>
-              <a:buChar char="•"/>
-            </a:pPr>
-            <a:r>
-              <a:rPr lang="en-US" sz="2000" b="1" dirty="0"/>
-              <a:t>Storage</a:t>
-            </a:r>
-            <a:r>
-              <a:rPr lang="en-US" sz="2000" dirty="0"/>
-              <a:t>: 1 GB free space minimum; 10 GB free on SSD recommended.</a:t>
-            </a:r>
-          </a:p>
-          <a:p>
-            <a:pPr marL="0" indent="0">
-              <a:buNone/>
-            </a:pPr>
-            <a:r>
-              <a:rPr lang="en-US" sz="2000" b="1" dirty="0"/>
-              <a:t>Software Requirements:</a:t>
-            </a:r>
-          </a:p>
-          <a:p>
-            <a:pPr>
-              <a:buFont typeface="Arial" panose="020B0604020202020204" pitchFamily="34" charset="0"/>
-              <a:buChar char="•"/>
-            </a:pPr>
-            <a:r>
-              <a:rPr lang="en-IN" sz="2000" b="1" dirty="0"/>
-              <a:t>OS</a:t>
-            </a:r>
-            <a:r>
-              <a:rPr lang="en-IN" sz="2000" dirty="0"/>
-              <a:t>: </a:t>
-            </a:r>
-            <a:r>
-              <a:rPr lang="en-US" sz="2000" dirty="0"/>
-              <a:t>Windows 10 or later (64-bit recommended).</a:t>
-            </a:r>
-            <a:endParaRPr lang="en-IN" sz="2000" b="1" dirty="0"/>
-          </a:p>
-          <a:p>
-            <a:pPr>
-              <a:buFont typeface="Arial" panose="020B0604020202020204" pitchFamily="34" charset="0"/>
-              <a:buChar char="•"/>
-            </a:pPr>
-            <a:r>
-              <a:rPr lang="en-US" sz="2000" b="1" dirty="0"/>
-              <a:t>Python Version</a:t>
-            </a:r>
-            <a:r>
-              <a:rPr lang="en-US" sz="2000" dirty="0"/>
-              <a:t>: Python 3.8 or later (3.10 recommended).</a:t>
-            </a:r>
-          </a:p>
-          <a:p>
-            <a:pPr>
-              <a:buFont typeface="Arial" panose="020B0604020202020204" pitchFamily="34" charset="0"/>
-              <a:buChar char="•"/>
-            </a:pPr>
-            <a:r>
-              <a:rPr lang="en-IN" sz="2000" b="1" dirty="0"/>
-              <a:t>Python Libraries</a:t>
-            </a:r>
-            <a:r>
-              <a:rPr lang="en-IN" sz="2000" dirty="0"/>
-              <a:t>: </a:t>
-            </a:r>
-            <a:r>
-              <a:rPr lang="en-IN" sz="2000" dirty="0" err="1"/>
-              <a:t>numpy</a:t>
-            </a:r>
-            <a:r>
-              <a:rPr lang="en-IN" sz="2000" dirty="0"/>
-              <a:t>, </a:t>
-            </a:r>
-            <a:r>
-              <a:rPr lang="en-IN" sz="2000" dirty="0" err="1"/>
-              <a:t>opencv</a:t>
-            </a:r>
-            <a:r>
-              <a:rPr lang="en-IN" sz="2000" dirty="0"/>
-              <a:t>-python, </a:t>
-            </a:r>
-            <a:r>
-              <a:rPr lang="en-IN" sz="2000" dirty="0" err="1"/>
-              <a:t>opencv</a:t>
-            </a:r>
-            <a:r>
-              <a:rPr lang="en-IN" sz="2000" dirty="0"/>
-              <a:t>-</a:t>
-            </a:r>
-            <a:r>
-              <a:rPr lang="en-IN" sz="2000" dirty="0" err="1"/>
-              <a:t>contrib</a:t>
-            </a:r>
-            <a:r>
-              <a:rPr lang="en-IN" sz="2000" dirty="0"/>
-              <a:t>-python, </a:t>
-            </a:r>
-            <a:r>
-              <a:rPr lang="en-IN" sz="2000" dirty="0" err="1"/>
-              <a:t>mediapipe</a:t>
-            </a:r>
-            <a:endParaRPr lang="en-IN" sz="2000" dirty="0"/>
-          </a:p>
-          <a:p>
-            <a:pPr>
-              <a:buFont typeface="Arial" panose="020B0604020202020204" pitchFamily="34" charset="0"/>
-              <a:buChar char="•"/>
-            </a:pPr>
-            <a:r>
-              <a:rPr lang="en-US" sz="2000" b="1" dirty="0"/>
-              <a:t>IDE/Editor: </a:t>
-            </a:r>
-            <a:r>
-              <a:rPr lang="en-US" sz="2000" dirty="0"/>
-              <a:t>Any Python IDE (e.g., PyCharm, VS Code, </a:t>
-            </a:r>
-            <a:r>
-              <a:rPr lang="en-US" sz="2000" dirty="0" err="1"/>
-              <a:t>Jupyter</a:t>
-            </a:r>
-            <a:r>
-              <a:rPr lang="en-US" sz="2000" dirty="0"/>
-              <a:t> Notebook).</a:t>
-            </a:r>
-          </a:p>
-        </p:txBody>
-      </p:sp>
-      <p:sp>
-        <p:nvSpPr>
-          <p:cNvPr id="4" name="Rectangle 2">
-            <a:extLst>
-              <a:ext uri="{FF2B5EF4-FFF2-40B4-BE49-F238E27FC236}">
-                <a16:creationId xmlns:a16="http://schemas.microsoft.com/office/drawing/2014/main" id="{37115B0D-ABE7-FBBA-A592-EB83D4D7CB8A}"/>
-              </a:ext>
-            </a:extLst>
-          </p:cNvPr>
-          <p:cNvSpPr>
-            <a:spLocks noChangeArrowheads="1"/>
-          </p:cNvSpPr>
-          <p:nvPr/>
-        </p:nvSpPr>
-        <p:spPr bwMode="auto">
-          <a:xfrm>
-            <a:off x="0" y="-323165"/>
-            <a:ext cx="264816" cy="646331"/>
-          </a:xfrm>
-          <a:prstGeom prst="rect">
-            <a:avLst/>
-          </a:prstGeom>
-          <a:noFill/>
-          <a:ln>
-            <a:noFill/>
-          </a:ln>
-          <a:effectLst/>
-          <a:extLst>
-            <a:ext uri="{909E8E84-426E-40DD-AFC4-6F175D3DCCD1}">
-              <a14:hiddenFill xmlns:a14="http://schemas.microsoft.com/office/drawing/2010/main">
-                <a:solidFill>
-                  <a:schemeClr val="accent1"/>
-                </a:solidFill>
-              </a14:hiddenFill>
-            </a:ext>
-            <a:ext uri="{91240B29-F687-4F45-9708-019B960494DF}">
-              <a14:hiddenLine xmlns:a14="http://schemas.microsoft.com/office/drawing/2010/main" w="9525">
-                <a:solidFill>
-                  <a:schemeClr val="tx1"/>
-                </a:solidFill>
-                <a:miter lim="800000"/>
-                <a:headEnd/>
-                <a:tailEnd/>
-              </a14:hiddenLine>
-            </a:ext>
-            <a:ext uri="{AF507438-7753-43E0-B8FC-AC1667EBCBE1}">
-              <a14:hiddenEffects xmlns:a14="http://schemas.microsoft.com/office/drawing/2010/main">
-                <a:effectLst>
-                  <a:outerShdw dist="35921" dir="2700000" algn="ctr" rotWithShape="0">
-                    <a:schemeClr val="bg2"/>
-                  </a:outerShdw>
-                </a:effectLst>
-              </a14:hiddenEffects>
-            </a:ext>
-          </a:extLst>
-        </p:spPr>
-        <p:txBody>
-          <a:bodyPr vert="horz" wrap="none" lIns="91440" tIns="45720" rIns="91440" bIns="45720" numCol="1" anchor="ctr" anchorCtr="0" compatLnSpc="1">
-            <a:prstTxWarp prst="textNoShape">
-              <a:avLst/>
-            </a:prstTxWarp>
-            <a:spAutoFit/>
-          </a:bodyPr>
-          <a:lstStyle/>
-          <a:p>
-            <a:pPr marL="0" marR="0" lvl="0" indent="0" algn="l" defTabSz="914400" rtl="0" eaLnBrk="0" fontAlgn="base" latinLnBrk="0" hangingPunct="0">
-              <a:lnSpc>
-                <a:spcPct val="100000"/>
-              </a:lnSpc>
-              <a:spcBef>
-                <a:spcPct val="0"/>
-              </a:spcBef>
-              <a:spcAft>
-                <a:spcPct val="0"/>
-              </a:spcAft>
-              <a:buClrTx/>
-              <a:buSzTx/>
-              <a:tabLst/>
-            </a:pPr>
-            <a:endParaRPr kumimoji="0" lang="en-US" altLang="en-US" sz="1800" b="0" i="0" u="none" strike="noStrike" cap="none" normalizeH="0" baseline="0" dirty="0">
-              <a:ln>
-                <a:noFill/>
-              </a:ln>
-              <a:solidFill>
-                <a:schemeClr val="tx1"/>
-              </a:solidFill>
-              <a:effectLst/>
-              <a:latin typeface="Arial" panose="020B0604020202020204" pitchFamily="34" charset="0"/>
-            </a:endParaRPr>
-          </a:p>
-          <a:p>
-            <a:pPr marL="0" marR="0" lvl="0" indent="0" algn="l" defTabSz="914400" rtl="0" eaLnBrk="0" fontAlgn="base" latinLnBrk="0" hangingPunct="0">
-              <a:lnSpc>
-                <a:spcPct val="100000"/>
-              </a:lnSpc>
-              <a:spcBef>
-                <a:spcPct val="0"/>
-              </a:spcBef>
-              <a:spcAft>
-                <a:spcPct val="0"/>
-              </a:spcAft>
-              <a:buClrTx/>
-              <a:buSzTx/>
-              <a:buFontTx/>
-              <a:buChar char="•"/>
-              <a:tabLst/>
-            </a:pPr>
-            <a:endParaRPr kumimoji="0" lang="en-US" altLang="en-US" sz="1800" b="0" i="0" u="none" strike="noStrike" cap="none" normalizeH="0" baseline="0" dirty="0">
-              <a:ln>
-                <a:noFill/>
-              </a:ln>
-              <a:solidFill>
-                <a:schemeClr val="tx1"/>
-              </a:solidFill>
-              <a:effectLst/>
-              <a:latin typeface="Arial" panose="020B0604020202020204" pitchFamily="34" charset="0"/>
-            </a:endParaRPr>
-          </a:p>
-        </p:txBody>
-      </p:sp>
-    </p:spTree>
-    <p:extLst>
-      <p:ext uri="{BB962C8B-B14F-4D97-AF65-F5344CB8AC3E}">
-        <p14:creationId xmlns:p14="http://schemas.microsoft.com/office/powerpoint/2010/main" val="2133112850"/>
-      </p:ext>
-    </p:extLst>
-  </p:cSld>
-  <p:clrMapOvr>
-    <a:masterClrMapping/>
-  </p:clrMapOvr>
-</p:sld>
-</file>
-
-<file path=ppt/slides/slide9.xml><?xml version="1.0" encoding="utf-8"?>
-<p:sld xmlns:a="http://schemas.openxmlformats.org/drawingml/2006/main" xmlns:r="http://schemas.openxmlformats.org/officeDocument/2006/relationships" xmlns:p="http://schemas.openxmlformats.org/presentationml/2006/main">
-  <p:cSld>
-    <p:spTree>
-      <p:nvGrpSpPr>
-        <p:cNvPr id="1" name="">
-          <a:extLst>
-            <a:ext uri="{FF2B5EF4-FFF2-40B4-BE49-F238E27FC236}">
-              <a16:creationId xmlns:a16="http://schemas.microsoft.com/office/drawing/2014/main" id="{0EBCD03D-318E-ACB9-469B-BF18A78C05EF}"/>
-            </a:ext>
-          </a:extLst>
-        </p:cNvPr>
-        <p:cNvGrpSpPr/>
-        <p:nvPr/>
-      </p:nvGrpSpPr>
-      <p:grpSpPr>
-        <a:xfrm>
-          <a:off x="0" y="0"/>
-          <a:ext cx="0" cy="0"/>
-          <a:chOff x="0" y="0"/>
-          <a:chExt cx="0" cy="0"/>
-        </a:xfrm>
-      </p:grpSpPr>
-      <p:sp>
-        <p:nvSpPr>
-          <p:cNvPr id="2" name="Title 1">
-            <a:extLst>
-              <a:ext uri="{FF2B5EF4-FFF2-40B4-BE49-F238E27FC236}">
-                <a16:creationId xmlns:a16="http://schemas.microsoft.com/office/drawing/2014/main" id="{8A08D16D-C7C8-7E82-E793-F5E3FE2A1A4A}"/>
-              </a:ext>
-            </a:extLst>
-          </p:cNvPr>
-          <p:cNvSpPr>
-            <a:spLocks noGrp="1"/>
-          </p:cNvSpPr>
-          <p:nvPr>
-            <p:ph type="title"/>
-          </p:nvPr>
-        </p:nvSpPr>
-        <p:spPr/>
-        <p:txBody>
-          <a:bodyPr/>
-          <a:lstStyle/>
-          <a:p>
-            <a:r>
-              <a:rPr lang="en-US" dirty="0"/>
-              <a:t>Literature Survey</a:t>
-            </a:r>
-            <a:endParaRPr lang="en-IN" dirty="0"/>
-          </a:p>
-        </p:txBody>
-      </p:sp>
-      <p:sp>
-        <p:nvSpPr>
-          <p:cNvPr id="7" name="Content Placeholder 2">
-            <a:extLst>
-              <a:ext uri="{FF2B5EF4-FFF2-40B4-BE49-F238E27FC236}">
-                <a16:creationId xmlns:a16="http://schemas.microsoft.com/office/drawing/2014/main" id="{44A94B73-E7AE-C865-8CB3-4CB154BD5840}"/>
-              </a:ext>
-            </a:extLst>
-          </p:cNvPr>
-          <p:cNvSpPr>
-            <a:spLocks noGrp="1"/>
-          </p:cNvSpPr>
-          <p:nvPr>
-            <p:ph idx="1"/>
-          </p:nvPr>
-        </p:nvSpPr>
-        <p:spPr>
-          <a:xfrm>
-            <a:off x="199505" y="1097279"/>
-            <a:ext cx="11779135" cy="5394960"/>
-          </a:xfrm>
-        </p:spPr>
-        <p:txBody>
-          <a:bodyPr>
-            <a:normAutofit/>
-          </a:bodyPr>
-          <a:lstStyle/>
-          <a:p>
-            <a:pPr>
-              <a:buFont typeface="Arial" panose="020B0604020202020204" pitchFamily="34" charset="0"/>
-              <a:buChar char="•"/>
-            </a:pPr>
-            <a:r>
-              <a:rPr lang="en-US" dirty="0"/>
-              <a:t>The study highlights the effectiveness of gestures, particularly pointing, as a natural input modality, reinforcing the design choice for using an index finger gesture in the proposed air canvas system.</a:t>
-            </a:r>
-          </a:p>
-          <a:p>
-            <a:pPr>
-              <a:buFont typeface="Arial" panose="020B0604020202020204" pitchFamily="34" charset="0"/>
-              <a:buChar char="•"/>
-            </a:pPr>
-            <a:r>
-              <a:rPr lang="en-US" dirty="0"/>
-              <a:t>The research showcases the viability of using low-cost hardware like webcams for gesture recognition, aligning with the proposed air canvas system’s emphasis on accessibility and affordability.</a:t>
-            </a:r>
-          </a:p>
-          <a:p>
-            <a:pPr>
-              <a:buFont typeface="Arial" panose="020B0604020202020204" pitchFamily="34" charset="0"/>
-              <a:buChar char="•"/>
-            </a:pPr>
-            <a:r>
-              <a:rPr lang="en-US" dirty="0"/>
-              <a:t>The study underscores the potential of air-based input systems for real-time applications, reinforcing the value of gesture tracking for intuitive interfaces. Its insights into noise reduction and gesture accuracy are particularly relevant for enhancing the performance and reliability of the proposed air canvas system.</a:t>
-            </a:r>
-          </a:p>
-        </p:txBody>
-      </p:sp>
-    </p:spTree>
-    <p:extLst>
-      <p:ext uri="{BB962C8B-B14F-4D97-AF65-F5344CB8AC3E}">
-        <p14:creationId xmlns:p14="http://schemas.microsoft.com/office/powerpoint/2010/main" val="2842266951"/>
       </p:ext>
     </p:extLst>
   </p:cSld>
